--- a/PPT-2020/ch07 词法分析.pptx
+++ b/PPT-2020/ch07 词法分析.pptx
@@ -8345,37 +8345,22 @@
             </a:br>
             <a:r>
               <a:rPr lang="zh-CN" altLang="en-US" dirty="0"/>
-              <a:t>　　</a:t>
+              <a:t>　</a:t>
             </a:r>
             <a:r>
               <a:rPr lang="en-US" altLang="zh-CN" dirty="0"/>
-              <a:t>7.3 </a:t>
+              <a:t>7.3.1 </a:t>
             </a:r>
             <a:r>
               <a:rPr lang="zh-CN" altLang="en-US" dirty="0"/>
-              <a:t>中文姓名识别</a:t>
+              <a:t>基于规则的方法</a:t>
             </a:r>
             <a:br>
               <a:rPr lang="zh-CN" altLang="en-US" dirty="0"/>
             </a:br>
             <a:r>
               <a:rPr lang="zh-CN" altLang="en-US" dirty="0"/>
-              <a:t>　　</a:t>
-            </a:r>
-            <a:r>
-              <a:rPr lang="en-US" altLang="zh-CN" dirty="0"/>
-              <a:t>7.3.1 </a:t>
-            </a:r>
-            <a:r>
-              <a:rPr lang="zh-CN" altLang="en-US" dirty="0"/>
-              <a:t>基于规则的方法</a:t>
-            </a:r>
-            <a:br>
-              <a:rPr lang="zh-CN" altLang="en-US" dirty="0"/>
-            </a:br>
-            <a:r>
-              <a:rPr lang="zh-CN" altLang="en-US" dirty="0"/>
-              <a:t>　　</a:t>
+              <a:t>　</a:t>
             </a:r>
             <a:r>
               <a:rPr lang="en-US" altLang="zh-CN" dirty="0"/>
@@ -8680,49 +8665,26 @@
             </a:pPr>
             <a:r>
               <a:rPr lang="en-US" altLang="zh-CN" dirty="0"/>
-              <a:t>7.6 </a:t>
+              <a:t>7.6.1 </a:t>
             </a:r>
             <a:r>
               <a:rPr lang="zh-CN" altLang="en-US" dirty="0"/>
-              <a:t>词性标注</a:t>
+              <a:t>词性标记集</a:t>
             </a:r>
             <a:br>
               <a:rPr lang="zh-CN" altLang="en-US" dirty="0"/>
             </a:br>
             <a:r>
+              <a:rPr lang="en-US" altLang="zh-CN" dirty="0"/>
+              <a:t>7.6.2 </a:t>
+            </a:r>
+            <a:r>
               <a:rPr lang="zh-CN" altLang="en-US" dirty="0"/>
-              <a:t>　　</a:t>
-            </a:r>
-            <a:r>
-              <a:rPr lang="en-US" altLang="zh-CN" dirty="0"/>
-              <a:t>7.6.1 </a:t>
-            </a:r>
-            <a:r>
-              <a:rPr lang="zh-CN" altLang="en-US" dirty="0"/>
-              <a:t>词性标记集</a:t>
+              <a:t>基于规则的词性标注方法</a:t>
             </a:r>
             <a:br>
               <a:rPr lang="zh-CN" altLang="en-US" dirty="0"/>
             </a:br>
-            <a:r>
-              <a:rPr lang="zh-CN" altLang="en-US" dirty="0"/>
-              <a:t>　　</a:t>
-            </a:r>
-            <a:r>
-              <a:rPr lang="en-US" altLang="zh-CN" dirty="0"/>
-              <a:t>7.6.2 </a:t>
-            </a:r>
-            <a:r>
-              <a:rPr lang="zh-CN" altLang="en-US" dirty="0"/>
-              <a:t>基于规则的词性标注方法</a:t>
-            </a:r>
-            <a:br>
-              <a:rPr lang="zh-CN" altLang="en-US" dirty="0"/>
-            </a:br>
-            <a:r>
-              <a:rPr lang="zh-CN" altLang="en-US" dirty="0"/>
-              <a:t>　　</a:t>
-            </a:r>
             <a:r>
               <a:rPr lang="en-US" altLang="zh-CN" dirty="0"/>
               <a:t>7.6.3 </a:t>

--- a/PPT-2020/ch07 词法分析.pptx
+++ b/PPT-2020/ch07 词法分析.pptx
@@ -4,6 +4,9 @@
   <p:sldMasterIdLst>
     <p:sldMasterId id="2147483832" r:id="rId1"/>
   </p:sldMasterIdLst>
+  <p:notesMasterIdLst>
+    <p:notesMasterId r:id="rId10"/>
+  </p:notesMasterIdLst>
   <p:sldIdLst>
     <p:sldId id="256" r:id="rId2"/>
     <p:sldId id="257" r:id="rId3"/>
@@ -119,6 +122,439 @@
 </p:presentation>
 </file>
 
+<file path=ppt/notesMasters/notesMaster1.xml><?xml version="1.0" encoding="utf-8"?>
+<p:notesMaster xmlns:a="http://schemas.openxmlformats.org/drawingml/2006/main" xmlns:r="http://schemas.openxmlformats.org/officeDocument/2006/relationships" xmlns:p="http://schemas.openxmlformats.org/presentationml/2006/main">
+  <p:cSld>
+    <p:bg>
+      <p:bgRef idx="1001">
+        <a:schemeClr val="bg1"/>
+      </p:bgRef>
+    </p:bg>
+    <p:spTree>
+      <p:nvGrpSpPr>
+        <p:cNvPr id="1" name=""/>
+        <p:cNvGrpSpPr/>
+        <p:nvPr/>
+      </p:nvGrpSpPr>
+      <p:grpSpPr>
+        <a:xfrm>
+          <a:off x="0" y="0"/>
+          <a:ext cx="0" cy="0"/>
+          <a:chOff x="0" y="0"/>
+          <a:chExt cx="0" cy="0"/>
+        </a:xfrm>
+      </p:grpSpPr>
+      <p:sp>
+        <p:nvSpPr>
+          <p:cNvPr id="2" name="页眉占位符 1"/>
+          <p:cNvSpPr>
+            <a:spLocks noGrp="1"/>
+          </p:cNvSpPr>
+          <p:nvPr>
+            <p:ph type="hdr" sz="quarter"/>
+          </p:nvPr>
+        </p:nvSpPr>
+        <p:spPr>
+          <a:xfrm>
+            <a:off x="0" y="0"/>
+            <a:ext cx="2971800" cy="458788"/>
+          </a:xfrm>
+          <a:prstGeom prst="rect">
+            <a:avLst/>
+          </a:prstGeom>
+        </p:spPr>
+        <p:txBody>
+          <a:bodyPr vert="horz" lIns="91440" tIns="45720" rIns="91440" bIns="45720" rtlCol="0"/>
+          <a:lstStyle>
+            <a:lvl1pPr algn="l">
+              <a:defRPr sz="1200"/>
+            </a:lvl1pPr>
+          </a:lstStyle>
+          <a:p>
+            <a:endParaRPr lang="zh-CN" altLang="en-US"/>
+          </a:p>
+        </p:txBody>
+      </p:sp>
+      <p:sp>
+        <p:nvSpPr>
+          <p:cNvPr id="3" name="日期占位符 2"/>
+          <p:cNvSpPr>
+            <a:spLocks noGrp="1"/>
+          </p:cNvSpPr>
+          <p:nvPr>
+            <p:ph type="dt" idx="1"/>
+          </p:nvPr>
+        </p:nvSpPr>
+        <p:spPr>
+          <a:xfrm>
+            <a:off x="3884613" y="0"/>
+            <a:ext cx="2971800" cy="458788"/>
+          </a:xfrm>
+          <a:prstGeom prst="rect">
+            <a:avLst/>
+          </a:prstGeom>
+        </p:spPr>
+        <p:txBody>
+          <a:bodyPr vert="horz" lIns="91440" tIns="45720" rIns="91440" bIns="45720" rtlCol="0"/>
+          <a:lstStyle>
+            <a:lvl1pPr algn="r">
+              <a:defRPr sz="1200"/>
+            </a:lvl1pPr>
+          </a:lstStyle>
+          <a:p>
+            <a:fld id="{DF3EB5C7-85CB-4F28-AE04-06A843069689}" type="datetimeFigureOut">
+              <a:rPr lang="zh-CN" altLang="en-US" smtClean="0"/>
+              <a:t>2020/6/30</a:t>
+            </a:fld>
+            <a:endParaRPr lang="zh-CN" altLang="en-US"/>
+          </a:p>
+        </p:txBody>
+      </p:sp>
+      <p:sp>
+        <p:nvSpPr>
+          <p:cNvPr id="4" name="幻灯片图像占位符 3"/>
+          <p:cNvSpPr>
+            <a:spLocks noGrp="1" noRot="1" noChangeAspect="1"/>
+          </p:cNvSpPr>
+          <p:nvPr>
+            <p:ph type="sldImg" idx="2"/>
+          </p:nvPr>
+        </p:nvSpPr>
+        <p:spPr>
+          <a:xfrm>
+            <a:off x="685800" y="1143000"/>
+            <a:ext cx="5486400" cy="3086100"/>
+          </a:xfrm>
+          <a:prstGeom prst="rect">
+            <a:avLst/>
+          </a:prstGeom>
+          <a:noFill/>
+          <a:ln w="12700">
+            <a:solidFill>
+              <a:prstClr val="black"/>
+            </a:solidFill>
+          </a:ln>
+        </p:spPr>
+        <p:txBody>
+          <a:bodyPr vert="horz" lIns="91440" tIns="45720" rIns="91440" bIns="45720" rtlCol="0" anchor="ctr"/>
+          <a:lstStyle/>
+          <a:p>
+            <a:endParaRPr lang="zh-CN" altLang="en-US"/>
+          </a:p>
+        </p:txBody>
+      </p:sp>
+      <p:sp>
+        <p:nvSpPr>
+          <p:cNvPr id="5" name="备注占位符 4"/>
+          <p:cNvSpPr>
+            <a:spLocks noGrp="1"/>
+          </p:cNvSpPr>
+          <p:nvPr>
+            <p:ph type="body" sz="quarter" idx="3"/>
+          </p:nvPr>
+        </p:nvSpPr>
+        <p:spPr>
+          <a:xfrm>
+            <a:off x="685800" y="4400550"/>
+            <a:ext cx="5486400" cy="3600450"/>
+          </a:xfrm>
+          <a:prstGeom prst="rect">
+            <a:avLst/>
+          </a:prstGeom>
+        </p:spPr>
+        <p:txBody>
+          <a:bodyPr vert="horz" lIns="91440" tIns="45720" rIns="91440" bIns="45720" rtlCol="0"/>
+          <a:lstStyle/>
+          <a:p>
+            <a:pPr lvl="0"/>
+            <a:r>
+              <a:rPr lang="zh-CN" altLang="en-US"/>
+              <a:t>单击此处编辑母版文本样式</a:t>
+            </a:r>
+          </a:p>
+          <a:p>
+            <a:pPr lvl="1"/>
+            <a:r>
+              <a:rPr lang="zh-CN" altLang="en-US"/>
+              <a:t>二级</a:t>
+            </a:r>
+          </a:p>
+          <a:p>
+            <a:pPr lvl="2"/>
+            <a:r>
+              <a:rPr lang="zh-CN" altLang="en-US"/>
+              <a:t>三级</a:t>
+            </a:r>
+          </a:p>
+          <a:p>
+            <a:pPr lvl="3"/>
+            <a:r>
+              <a:rPr lang="zh-CN" altLang="en-US"/>
+              <a:t>四级</a:t>
+            </a:r>
+          </a:p>
+          <a:p>
+            <a:pPr lvl="4"/>
+            <a:r>
+              <a:rPr lang="zh-CN" altLang="en-US"/>
+              <a:t>五级</a:t>
+            </a:r>
+          </a:p>
+        </p:txBody>
+      </p:sp>
+      <p:sp>
+        <p:nvSpPr>
+          <p:cNvPr id="6" name="页脚占位符 5"/>
+          <p:cNvSpPr>
+            <a:spLocks noGrp="1"/>
+          </p:cNvSpPr>
+          <p:nvPr>
+            <p:ph type="ftr" sz="quarter" idx="4"/>
+          </p:nvPr>
+        </p:nvSpPr>
+        <p:spPr>
+          <a:xfrm>
+            <a:off x="0" y="8685213"/>
+            <a:ext cx="2971800" cy="458787"/>
+          </a:xfrm>
+          <a:prstGeom prst="rect">
+            <a:avLst/>
+          </a:prstGeom>
+        </p:spPr>
+        <p:txBody>
+          <a:bodyPr vert="horz" lIns="91440" tIns="45720" rIns="91440" bIns="45720" rtlCol="0" anchor="b"/>
+          <a:lstStyle>
+            <a:lvl1pPr algn="l">
+              <a:defRPr sz="1200"/>
+            </a:lvl1pPr>
+          </a:lstStyle>
+          <a:p>
+            <a:endParaRPr lang="zh-CN" altLang="en-US"/>
+          </a:p>
+        </p:txBody>
+      </p:sp>
+      <p:sp>
+        <p:nvSpPr>
+          <p:cNvPr id="7" name="灯片编号占位符 6"/>
+          <p:cNvSpPr>
+            <a:spLocks noGrp="1"/>
+          </p:cNvSpPr>
+          <p:nvPr>
+            <p:ph type="sldNum" sz="quarter" idx="5"/>
+          </p:nvPr>
+        </p:nvSpPr>
+        <p:spPr>
+          <a:xfrm>
+            <a:off x="3884613" y="8685213"/>
+            <a:ext cx="2971800" cy="458787"/>
+          </a:xfrm>
+          <a:prstGeom prst="rect">
+            <a:avLst/>
+          </a:prstGeom>
+        </p:spPr>
+        <p:txBody>
+          <a:bodyPr vert="horz" lIns="91440" tIns="45720" rIns="91440" bIns="45720" rtlCol="0" anchor="b"/>
+          <a:lstStyle>
+            <a:lvl1pPr algn="r">
+              <a:defRPr sz="1200"/>
+            </a:lvl1pPr>
+          </a:lstStyle>
+          <a:p>
+            <a:fld id="{9F829662-7F4E-4DB0-9A43-7C909D576A8B}" type="slidenum">
+              <a:rPr lang="zh-CN" altLang="en-US" smtClean="0"/>
+              <a:t>‹#›</a:t>
+            </a:fld>
+            <a:endParaRPr lang="zh-CN" altLang="en-US"/>
+          </a:p>
+        </p:txBody>
+      </p:sp>
+    </p:spTree>
+    <p:extLst>
+      <p:ext uri="{BB962C8B-B14F-4D97-AF65-F5344CB8AC3E}">
+        <p14:creationId xmlns:p14="http://schemas.microsoft.com/office/powerpoint/2010/main" val="1530584536"/>
+      </p:ext>
+    </p:extLst>
+  </p:cSld>
+  <p:clrMap bg1="lt1" tx1="dk1" bg2="lt2" tx2="dk2" accent1="accent1" accent2="accent2" accent3="accent3" accent4="accent4" accent5="accent5" accent6="accent6" hlink="hlink" folHlink="folHlink"/>
+  <p:notesStyle>
+    <a:lvl1pPr marL="0" algn="l" defTabSz="914400" rtl="0" eaLnBrk="1" latinLnBrk="0" hangingPunct="1">
+      <a:defRPr sz="1200" kern="1200">
+        <a:solidFill>
+          <a:schemeClr val="tx1"/>
+        </a:solidFill>
+        <a:latin typeface="+mn-lt"/>
+        <a:ea typeface="+mn-ea"/>
+        <a:cs typeface="+mn-cs"/>
+      </a:defRPr>
+    </a:lvl1pPr>
+    <a:lvl2pPr marL="457200" algn="l" defTabSz="914400" rtl="0" eaLnBrk="1" latinLnBrk="0" hangingPunct="1">
+      <a:defRPr sz="1200" kern="1200">
+        <a:solidFill>
+          <a:schemeClr val="tx1"/>
+        </a:solidFill>
+        <a:latin typeface="+mn-lt"/>
+        <a:ea typeface="+mn-ea"/>
+        <a:cs typeface="+mn-cs"/>
+      </a:defRPr>
+    </a:lvl2pPr>
+    <a:lvl3pPr marL="914400" algn="l" defTabSz="914400" rtl="0" eaLnBrk="1" latinLnBrk="0" hangingPunct="1">
+      <a:defRPr sz="1200" kern="1200">
+        <a:solidFill>
+          <a:schemeClr val="tx1"/>
+        </a:solidFill>
+        <a:latin typeface="+mn-lt"/>
+        <a:ea typeface="+mn-ea"/>
+        <a:cs typeface="+mn-cs"/>
+      </a:defRPr>
+    </a:lvl3pPr>
+    <a:lvl4pPr marL="1371600" algn="l" defTabSz="914400" rtl="0" eaLnBrk="1" latinLnBrk="0" hangingPunct="1">
+      <a:defRPr sz="1200" kern="1200">
+        <a:solidFill>
+          <a:schemeClr val="tx1"/>
+        </a:solidFill>
+        <a:latin typeface="+mn-lt"/>
+        <a:ea typeface="+mn-ea"/>
+        <a:cs typeface="+mn-cs"/>
+      </a:defRPr>
+    </a:lvl4pPr>
+    <a:lvl5pPr marL="1828800" algn="l" defTabSz="914400" rtl="0" eaLnBrk="1" latinLnBrk="0" hangingPunct="1">
+      <a:defRPr sz="1200" kern="1200">
+        <a:solidFill>
+          <a:schemeClr val="tx1"/>
+        </a:solidFill>
+        <a:latin typeface="+mn-lt"/>
+        <a:ea typeface="+mn-ea"/>
+        <a:cs typeface="+mn-cs"/>
+      </a:defRPr>
+    </a:lvl5pPr>
+    <a:lvl6pPr marL="2286000" algn="l" defTabSz="914400" rtl="0" eaLnBrk="1" latinLnBrk="0" hangingPunct="1">
+      <a:defRPr sz="1200" kern="1200">
+        <a:solidFill>
+          <a:schemeClr val="tx1"/>
+        </a:solidFill>
+        <a:latin typeface="+mn-lt"/>
+        <a:ea typeface="+mn-ea"/>
+        <a:cs typeface="+mn-cs"/>
+      </a:defRPr>
+    </a:lvl6pPr>
+    <a:lvl7pPr marL="2743200" algn="l" defTabSz="914400" rtl="0" eaLnBrk="1" latinLnBrk="0" hangingPunct="1">
+      <a:defRPr sz="1200" kern="1200">
+        <a:solidFill>
+          <a:schemeClr val="tx1"/>
+        </a:solidFill>
+        <a:latin typeface="+mn-lt"/>
+        <a:ea typeface="+mn-ea"/>
+        <a:cs typeface="+mn-cs"/>
+      </a:defRPr>
+    </a:lvl7pPr>
+    <a:lvl8pPr marL="3200400" algn="l" defTabSz="914400" rtl="0" eaLnBrk="1" latinLnBrk="0" hangingPunct="1">
+      <a:defRPr sz="1200" kern="1200">
+        <a:solidFill>
+          <a:schemeClr val="tx1"/>
+        </a:solidFill>
+        <a:latin typeface="+mn-lt"/>
+        <a:ea typeface="+mn-ea"/>
+        <a:cs typeface="+mn-cs"/>
+      </a:defRPr>
+    </a:lvl8pPr>
+    <a:lvl9pPr marL="3657600" algn="l" defTabSz="914400" rtl="0" eaLnBrk="1" latinLnBrk="0" hangingPunct="1">
+      <a:defRPr sz="1200" kern="1200">
+        <a:solidFill>
+          <a:schemeClr val="tx1"/>
+        </a:solidFill>
+        <a:latin typeface="+mn-lt"/>
+        <a:ea typeface="+mn-ea"/>
+        <a:cs typeface="+mn-cs"/>
+      </a:defRPr>
+    </a:lvl9pPr>
+  </p:notesStyle>
+</p:notesMaster>
+</file>
+
+<file path=ppt/notesSlides/notesSlide1.xml><?xml version="1.0" encoding="utf-8"?>
+<p:notes xmlns:a="http://schemas.openxmlformats.org/drawingml/2006/main" xmlns:r="http://schemas.openxmlformats.org/officeDocument/2006/relationships" xmlns:p="http://schemas.openxmlformats.org/presentationml/2006/main">
+  <p:cSld>
+    <p:spTree>
+      <p:nvGrpSpPr>
+        <p:cNvPr id="1" name=""/>
+        <p:cNvGrpSpPr/>
+        <p:nvPr/>
+      </p:nvGrpSpPr>
+      <p:grpSpPr>
+        <a:xfrm>
+          <a:off x="0" y="0"/>
+          <a:ext cx="0" cy="0"/>
+          <a:chOff x="0" y="0"/>
+          <a:chExt cx="0" cy="0"/>
+        </a:xfrm>
+      </p:grpSpPr>
+      <p:sp>
+        <p:nvSpPr>
+          <p:cNvPr id="2" name="幻灯片图像占位符 1"/>
+          <p:cNvSpPr>
+            <a:spLocks noGrp="1" noRot="1" noChangeAspect="1"/>
+          </p:cNvSpPr>
+          <p:nvPr>
+            <p:ph type="sldImg"/>
+          </p:nvPr>
+        </p:nvSpPr>
+        <p:spPr/>
+      </p:sp>
+      <p:sp>
+        <p:nvSpPr>
+          <p:cNvPr id="3" name="备注占位符 2"/>
+          <p:cNvSpPr>
+            <a:spLocks noGrp="1"/>
+          </p:cNvSpPr>
+          <p:nvPr>
+            <p:ph type="body" idx="1"/>
+          </p:nvPr>
+        </p:nvSpPr>
+        <p:spPr/>
+        <p:txBody>
+          <a:bodyPr/>
+          <a:lstStyle/>
+          <a:p>
+            <a:endParaRPr lang="zh-CN" altLang="en-US" dirty="0"/>
+          </a:p>
+        </p:txBody>
+      </p:sp>
+      <p:sp>
+        <p:nvSpPr>
+          <p:cNvPr id="4" name="灯片编号占位符 3"/>
+          <p:cNvSpPr>
+            <a:spLocks noGrp="1"/>
+          </p:cNvSpPr>
+          <p:nvPr>
+            <p:ph type="sldNum" sz="quarter" idx="5"/>
+          </p:nvPr>
+        </p:nvSpPr>
+        <p:spPr/>
+        <p:txBody>
+          <a:bodyPr/>
+          <a:lstStyle/>
+          <a:p>
+            <a:fld id="{9F829662-7F4E-4DB0-9A43-7C909D576A8B}" type="slidenum">
+              <a:rPr lang="zh-CN" altLang="en-US" smtClean="0"/>
+              <a:t>4</a:t>
+            </a:fld>
+            <a:endParaRPr lang="zh-CN" altLang="en-US"/>
+          </a:p>
+        </p:txBody>
+      </p:sp>
+    </p:spTree>
+    <p:extLst>
+      <p:ext uri="{BB962C8B-B14F-4D97-AF65-F5344CB8AC3E}">
+        <p14:creationId xmlns:p14="http://schemas.microsoft.com/office/powerpoint/2010/main" val="2958510269"/>
+      </p:ext>
+    </p:extLst>
+  </p:cSld>
+  <p:clrMapOvr>
+    <a:masterClrMapping/>
+  </p:clrMapOvr>
+</p:notes>
+</file>
+
 <file path=ppt/slideLayouts/slideLayout1.xml><?xml version="1.0" encoding="utf-8"?>
 <p:sldLayout xmlns:a="http://schemas.openxmlformats.org/drawingml/2006/main" xmlns:r="http://schemas.openxmlformats.org/officeDocument/2006/relationships" xmlns:p="http://schemas.openxmlformats.org/presentationml/2006/main" type="title" preserve="1">
   <p:cSld name="标题幻灯片">
@@ -393,7 +829,7 @@
           <a:p>
             <a:fld id="{B161E7BD-2304-4CFF-AC2E-DAADCB15FF3C}" type="datetimeFigureOut">
               <a:rPr lang="zh-CN" altLang="en-US" smtClean="0"/>
-              <a:t>2020/6/29</a:t>
+              <a:t>2020/6/30</a:t>
             </a:fld>
             <a:endParaRPr lang="zh-CN" altLang="en-US"/>
           </a:p>
@@ -807,7 +1243,7 @@
           <a:p>
             <a:fld id="{B161E7BD-2304-4CFF-AC2E-DAADCB15FF3C}" type="datetimeFigureOut">
               <a:rPr lang="zh-CN" altLang="en-US" smtClean="0"/>
-              <a:t>2020/6/29</a:t>
+              <a:t>2020/6/30</a:t>
             </a:fld>
             <a:endParaRPr lang="zh-CN" altLang="en-US"/>
           </a:p>
@@ -1143,7 +1579,7 @@
           <a:p>
             <a:fld id="{B161E7BD-2304-4CFF-AC2E-DAADCB15FF3C}" type="datetimeFigureOut">
               <a:rPr lang="zh-CN" altLang="en-US" smtClean="0"/>
-              <a:t>2020/6/29</a:t>
+              <a:t>2020/6/30</a:t>
             </a:fld>
             <a:endParaRPr lang="zh-CN" altLang="en-US"/>
           </a:p>
@@ -1548,7 +1984,7 @@
           <a:p>
             <a:fld id="{B161E7BD-2304-4CFF-AC2E-DAADCB15FF3C}" type="datetimeFigureOut">
               <a:rPr lang="zh-CN" altLang="en-US" smtClean="0"/>
-              <a:t>2020/6/29</a:t>
+              <a:t>2020/6/30</a:t>
             </a:fld>
             <a:endParaRPr lang="zh-CN" altLang="en-US"/>
           </a:p>
@@ -2116,7 +2552,7 @@
           <a:p>
             <a:fld id="{B161E7BD-2304-4CFF-AC2E-DAADCB15FF3C}" type="datetimeFigureOut">
               <a:rPr lang="zh-CN" altLang="en-US" smtClean="0"/>
-              <a:t>2020/6/29</a:t>
+              <a:t>2020/6/30</a:t>
             </a:fld>
             <a:endParaRPr lang="zh-CN" altLang="en-US"/>
           </a:p>
@@ -2797,7 +3233,7 @@
           <a:p>
             <a:fld id="{B161E7BD-2304-4CFF-AC2E-DAADCB15FF3C}" type="datetimeFigureOut">
               <a:rPr lang="zh-CN" altLang="en-US" smtClean="0"/>
-              <a:t>2020/6/29</a:t>
+              <a:t>2020/6/30</a:t>
             </a:fld>
             <a:endParaRPr lang="zh-CN" altLang="en-US"/>
           </a:p>
@@ -3710,7 +4146,7 @@
           <a:p>
             <a:fld id="{B161E7BD-2304-4CFF-AC2E-DAADCB15FF3C}" type="datetimeFigureOut">
               <a:rPr lang="zh-CN" altLang="en-US" smtClean="0"/>
-              <a:t>2020/6/29</a:t>
+              <a:t>2020/6/30</a:t>
             </a:fld>
             <a:endParaRPr lang="zh-CN" altLang="en-US"/>
           </a:p>
@@ -4023,7 +4459,7 @@
           <a:p>
             <a:fld id="{B161E7BD-2304-4CFF-AC2E-DAADCB15FF3C}" type="datetimeFigureOut">
               <a:rPr lang="zh-CN" altLang="en-US" smtClean="0"/>
-              <a:t>2020/6/29</a:t>
+              <a:t>2020/6/30</a:t>
             </a:fld>
             <a:endParaRPr lang="zh-CN" altLang="en-US"/>
           </a:p>
@@ -4287,7 +4723,7 @@
           <a:p>
             <a:fld id="{B161E7BD-2304-4CFF-AC2E-DAADCB15FF3C}" type="datetimeFigureOut">
               <a:rPr lang="zh-CN" altLang="en-US" smtClean="0"/>
-              <a:t>2020/6/29</a:t>
+              <a:t>2020/6/30</a:t>
             </a:fld>
             <a:endParaRPr lang="zh-CN" altLang="en-US"/>
           </a:p>
@@ -4610,7 +5046,7 @@
           <a:p>
             <a:fld id="{B161E7BD-2304-4CFF-AC2E-DAADCB15FF3C}" type="datetimeFigureOut">
               <a:rPr lang="zh-CN" altLang="en-US" smtClean="0"/>
-              <a:t>2020/6/29</a:t>
+              <a:t>2020/6/30</a:t>
             </a:fld>
             <a:endParaRPr lang="zh-CN" altLang="en-US"/>
           </a:p>
@@ -4999,7 +5435,7 @@
           <a:p>
             <a:fld id="{B161E7BD-2304-4CFF-AC2E-DAADCB15FF3C}" type="datetimeFigureOut">
               <a:rPr lang="zh-CN" altLang="en-US" smtClean="0"/>
-              <a:t>2020/6/29</a:t>
+              <a:t>2020/6/30</a:t>
             </a:fld>
             <a:endParaRPr lang="zh-CN" altLang="en-US"/>
           </a:p>
@@ -5375,7 +5811,7 @@
           <a:p>
             <a:fld id="{B161E7BD-2304-4CFF-AC2E-DAADCB15FF3C}" type="datetimeFigureOut">
               <a:rPr lang="zh-CN" altLang="en-US" smtClean="0"/>
-              <a:t>2020/6/29</a:t>
+              <a:t>2020/6/30</a:t>
             </a:fld>
             <a:endParaRPr lang="zh-CN" altLang="en-US"/>
           </a:p>
@@ -5881,7 +6317,7 @@
           <a:p>
             <a:fld id="{B161E7BD-2304-4CFF-AC2E-DAADCB15FF3C}" type="datetimeFigureOut">
               <a:rPr lang="zh-CN" altLang="en-US" smtClean="0"/>
-              <a:t>2020/6/29</a:t>
+              <a:t>2020/6/30</a:t>
             </a:fld>
             <a:endParaRPr lang="zh-CN" altLang="en-US"/>
           </a:p>
@@ -6138,7 +6574,7 @@
           <a:p>
             <a:fld id="{B161E7BD-2304-4CFF-AC2E-DAADCB15FF3C}" type="datetimeFigureOut">
               <a:rPr lang="zh-CN" altLang="en-US" smtClean="0"/>
-              <a:t>2020/6/29</a:t>
+              <a:t>2020/6/30</a:t>
             </a:fld>
             <a:endParaRPr lang="zh-CN" altLang="en-US"/>
           </a:p>
@@ -6301,7 +6737,7 @@
           <a:p>
             <a:fld id="{B161E7BD-2304-4CFF-AC2E-DAADCB15FF3C}" type="datetimeFigureOut">
               <a:rPr lang="zh-CN" altLang="en-US" smtClean="0"/>
-              <a:t>2020/6/29</a:t>
+              <a:t>2020/6/30</a:t>
             </a:fld>
             <a:endParaRPr lang="zh-CN" altLang="en-US"/>
           </a:p>
@@ -6691,7 +7127,7 @@
           <a:p>
             <a:fld id="{B161E7BD-2304-4CFF-AC2E-DAADCB15FF3C}" type="datetimeFigureOut">
               <a:rPr lang="zh-CN" altLang="en-US" smtClean="0"/>
-              <a:t>2020/6/29</a:t>
+              <a:t>2020/6/30</a:t>
             </a:fld>
             <a:endParaRPr lang="zh-CN" altLang="en-US"/>
           </a:p>
@@ -7100,7 +7536,7 @@
           <a:p>
             <a:fld id="{B161E7BD-2304-4CFF-AC2E-DAADCB15FF3C}" type="datetimeFigureOut">
               <a:rPr lang="zh-CN" altLang="en-US" smtClean="0"/>
-              <a:t>2020/6/29</a:t>
+              <a:t>2020/6/30</a:t>
             </a:fld>
             <a:endParaRPr lang="zh-CN" altLang="en-US"/>
           </a:p>
@@ -7344,7 +7780,7 @@
           <a:p>
             <a:fld id="{B161E7BD-2304-4CFF-AC2E-DAADCB15FF3C}" type="datetimeFigureOut">
               <a:rPr lang="zh-CN" altLang="en-US" smtClean="0"/>
-              <a:t>2020/6/29</a:t>
+              <a:t>2020/6/30</a:t>
             </a:fld>
             <a:endParaRPr lang="zh-CN" altLang="en-US"/>
           </a:p>
@@ -8144,7 +8580,58 @@
             <a:pPr marL="0" indent="0">
               <a:buNone/>
             </a:pPr>
-            <a:endParaRPr lang="zh-CN" altLang="en-US" dirty="0"/>
+            <a:r>
+              <a:rPr lang="zh-CN" altLang="en-US" dirty="0"/>
+              <a:t>中文分词是中文文本处理的一个基础步骤</a:t>
+            </a:r>
+            <a:endParaRPr lang="en-US" altLang="zh-CN" dirty="0"/>
+          </a:p>
+          <a:p>
+            <a:pPr marL="0" indent="0">
+              <a:buNone/>
+            </a:pPr>
+            <a:endParaRPr lang="en-US" altLang="zh-CN" dirty="0"/>
+          </a:p>
+          <a:p>
+            <a:pPr marL="0" indent="0">
+              <a:buNone/>
+            </a:pPr>
+            <a:r>
+              <a:rPr lang="zh-CN" altLang="en-US" dirty="0"/>
+              <a:t>中文人机自然语言交互的基础模块</a:t>
+            </a:r>
+            <a:endParaRPr lang="en-US" altLang="zh-CN" dirty="0"/>
+          </a:p>
+          <a:p>
+            <a:pPr marL="0" indent="0">
+              <a:buNone/>
+            </a:pPr>
+            <a:endParaRPr lang="en-US" altLang="zh-CN" dirty="0"/>
+          </a:p>
+          <a:p>
+            <a:pPr marL="0" indent="0">
+              <a:buNone/>
+            </a:pPr>
+            <a:r>
+              <a:rPr lang="zh-CN" altLang="en-US" dirty="0"/>
+              <a:t>中文句子中没有词的界限，因此在进行中文自然语言处理时，通常需要先进行分词</a:t>
+            </a:r>
+            <a:endParaRPr lang="en-US" altLang="zh-CN" dirty="0"/>
+          </a:p>
+          <a:p>
+            <a:pPr marL="0" indent="0">
+              <a:buNone/>
+            </a:pPr>
+            <a:endParaRPr lang="en-US" altLang="zh-CN" dirty="0"/>
+          </a:p>
+          <a:p>
+            <a:pPr marL="0" indent="0">
+              <a:buNone/>
+            </a:pPr>
+            <a:r>
+              <a:rPr lang="zh-CN" altLang="en-US" dirty="0"/>
+              <a:t>分词效果将直接影响词性、句法树等模块的效果。</a:t>
+            </a:r>
           </a:p>
         </p:txBody>
       </p:sp>
@@ -8229,8 +8716,8 @@
         </p:nvSpPr>
         <p:spPr>
           <a:xfrm>
-            <a:off x="680321" y="2336873"/>
-            <a:ext cx="9613861" cy="4115808"/>
+            <a:off x="512323" y="2049294"/>
+            <a:ext cx="11102503" cy="4403387"/>
           </a:xfrm>
         </p:spPr>
         <p:txBody>
@@ -8238,6 +8725,167 @@
             <a:noAutofit/>
           </a:bodyPr>
           <a:lstStyle/>
+          <a:p>
+            <a:pPr marL="0" indent="0">
+              <a:buNone/>
+            </a:pPr>
+            <a:r>
+              <a:rPr lang="en-US" altLang="zh-CN" b="1" dirty="0"/>
+              <a:t>1</a:t>
+            </a:r>
+            <a:r>
+              <a:rPr lang="zh-CN" altLang="en-US" b="1" dirty="0"/>
+              <a:t>、基于词典分词算法（</a:t>
+            </a:r>
+            <a:r>
+              <a:rPr lang="zh-CN" altLang="en-US" dirty="0"/>
+              <a:t>字符串匹配分词算法</a:t>
+            </a:r>
+            <a:r>
+              <a:rPr lang="zh-CN" altLang="en-US" b="1" dirty="0"/>
+              <a:t>）</a:t>
+            </a:r>
+            <a:endParaRPr lang="en-US" altLang="zh-CN" b="1" dirty="0"/>
+          </a:p>
+          <a:p>
+            <a:pPr marL="0" indent="0">
+              <a:buNone/>
+            </a:pPr>
+            <a:r>
+              <a:rPr lang="zh-CN" altLang="en-US" dirty="0"/>
+              <a:t>该算法是按照一定的策略将待匹配的字符串和一个已建立好的“充分大的”词典中的词进行匹配，若找到某个词条，则说明匹配成功，识别了该词。</a:t>
+            </a:r>
+            <a:endParaRPr lang="en-US" altLang="zh-CN" dirty="0"/>
+          </a:p>
+          <a:p>
+            <a:pPr marL="0" indent="0">
+              <a:buNone/>
+            </a:pPr>
+            <a:r>
+              <a:rPr lang="zh-CN" altLang="en-US" dirty="0"/>
+              <a:t>常见的基于词典的分词算法分为以下几种：</a:t>
+            </a:r>
+            <a:r>
+              <a:rPr lang="zh-CN" altLang="en-US" b="1" dirty="0"/>
+              <a:t>正向最大匹配法、逆向最大匹配法</a:t>
+            </a:r>
+            <a:r>
+              <a:rPr lang="zh-CN" altLang="en-US" dirty="0"/>
+              <a:t>和</a:t>
+            </a:r>
+            <a:r>
+              <a:rPr lang="zh-CN" altLang="en-US" b="1" dirty="0"/>
+              <a:t>双向匹配分词法</a:t>
+            </a:r>
+            <a:r>
+              <a:rPr lang="zh-CN" altLang="en-US" dirty="0"/>
+              <a:t>等。基于词典的分词算法是应用最广泛、分词速度最快的。</a:t>
+            </a:r>
+            <a:endParaRPr lang="en-US" altLang="zh-CN" dirty="0"/>
+          </a:p>
+          <a:p>
+            <a:pPr marL="0" indent="0">
+              <a:buNone/>
+            </a:pPr>
+            <a:r>
+              <a:rPr lang="en-US" altLang="zh-CN" b="1" dirty="0"/>
+              <a:t>2</a:t>
+            </a:r>
+            <a:r>
+              <a:rPr lang="zh-CN" altLang="en-US" b="1" dirty="0"/>
+              <a:t>、基于统计的机器学习算法</a:t>
+            </a:r>
+            <a:endParaRPr lang="zh-CN" altLang="en-US" dirty="0"/>
+          </a:p>
+          <a:p>
+            <a:pPr marL="0" indent="0">
+              <a:buNone/>
+            </a:pPr>
+            <a:r>
+              <a:rPr lang="zh-CN" altLang="en-US" dirty="0"/>
+              <a:t>这类目前常用的是算法是</a:t>
+            </a:r>
+            <a:r>
+              <a:rPr lang="en-US" altLang="zh-CN" b="1" dirty="0"/>
+              <a:t>HMM</a:t>
+            </a:r>
+            <a:r>
+              <a:rPr lang="zh-CN" altLang="en-US" b="1" dirty="0"/>
+              <a:t>、</a:t>
+            </a:r>
+            <a:r>
+              <a:rPr lang="en-US" altLang="zh-CN" b="1" dirty="0"/>
+              <a:t>CRF</a:t>
+            </a:r>
+            <a:r>
+              <a:rPr lang="zh-CN" altLang="en-US" b="1" dirty="0"/>
+              <a:t>、</a:t>
+            </a:r>
+            <a:r>
+              <a:rPr lang="en-US" altLang="zh-CN" b="1" dirty="0"/>
+              <a:t>SVM</a:t>
+            </a:r>
+            <a:r>
+              <a:rPr lang="zh-CN" altLang="en-US" b="1" dirty="0"/>
+              <a:t>、深度学习</a:t>
+            </a:r>
+            <a:r>
+              <a:rPr lang="zh-CN" altLang="en-US" dirty="0"/>
+              <a:t>等算法</a:t>
+            </a:r>
+            <a:endParaRPr lang="en-US" altLang="zh-CN" dirty="0"/>
+          </a:p>
+          <a:p>
+            <a:pPr marL="0" indent="0">
+              <a:buNone/>
+            </a:pPr>
+            <a:r>
+              <a:rPr lang="zh-CN" altLang="en-US" dirty="0"/>
+              <a:t>比如</a:t>
+            </a:r>
+            <a:r>
+              <a:rPr lang="en-US" altLang="zh-CN" dirty="0" err="1"/>
+              <a:t>stanford</a:t>
+            </a:r>
+            <a:r>
+              <a:rPr lang="zh-CN" altLang="en-US" dirty="0"/>
+              <a:t>、</a:t>
+            </a:r>
+            <a:r>
+              <a:rPr lang="en-US" altLang="zh-CN" dirty="0" err="1"/>
+              <a:t>Hanlp</a:t>
+            </a:r>
+            <a:r>
+              <a:rPr lang="zh-CN" altLang="en-US" dirty="0"/>
+              <a:t>分词工具是基于</a:t>
+            </a:r>
+            <a:r>
+              <a:rPr lang="en-US" altLang="zh-CN" dirty="0"/>
+              <a:t>CRF</a:t>
+            </a:r>
+            <a:r>
+              <a:rPr lang="zh-CN" altLang="en-US" dirty="0"/>
+              <a:t>算法。</a:t>
+            </a:r>
+            <a:endParaRPr lang="en-US" altLang="zh-CN" dirty="0"/>
+          </a:p>
+          <a:p>
+            <a:pPr marL="0" indent="0">
+              <a:buNone/>
+            </a:pPr>
+            <a:r>
+              <a:rPr lang="zh-CN" altLang="en-US" dirty="0"/>
+              <a:t>以</a:t>
+            </a:r>
+            <a:r>
+              <a:rPr lang="en-US" altLang="zh-CN" dirty="0"/>
+              <a:t>CRF</a:t>
+            </a:r>
+            <a:r>
+              <a:rPr lang="zh-CN" altLang="en-US" dirty="0"/>
+              <a:t>为例，基本思路是对汉字进行标注训练，不仅考虑了词语出现的频率，还考虑上下文，具备较好的学习能力，因此其对歧义词和未登录词的识别都具有良好的效果。</a:t>
+            </a:r>
+          </a:p>
           <a:p>
             <a:pPr marL="0" indent="0">
               <a:buNone/>
@@ -8995,4 +9643,299 @@
     </a:ext>
   </a:extLst>
 </a:theme>
+</file>
+
+<file path=ppt/theme/theme2.xml><?xml version="1.0" encoding="utf-8"?>
+<a:theme xmlns:a="http://schemas.openxmlformats.org/drawingml/2006/main" name="Office 主题​​">
+  <a:themeElements>
+    <a:clrScheme name="Office">
+      <a:dk1>
+        <a:sysClr val="windowText" lastClr="000000"/>
+      </a:dk1>
+      <a:lt1>
+        <a:sysClr val="window" lastClr="FFFFFF"/>
+      </a:lt1>
+      <a:dk2>
+        <a:srgbClr val="44546A"/>
+      </a:dk2>
+      <a:lt2>
+        <a:srgbClr val="E7E6E6"/>
+      </a:lt2>
+      <a:accent1>
+        <a:srgbClr val="4472C4"/>
+      </a:accent1>
+      <a:accent2>
+        <a:srgbClr val="ED7D31"/>
+      </a:accent2>
+      <a:accent3>
+        <a:srgbClr val="A5A5A5"/>
+      </a:accent3>
+      <a:accent4>
+        <a:srgbClr val="FFC000"/>
+      </a:accent4>
+      <a:accent5>
+        <a:srgbClr val="5B9BD5"/>
+      </a:accent5>
+      <a:accent6>
+        <a:srgbClr val="70AD47"/>
+      </a:accent6>
+      <a:hlink>
+        <a:srgbClr val="0563C1"/>
+      </a:hlink>
+      <a:folHlink>
+        <a:srgbClr val="954F72"/>
+      </a:folHlink>
+    </a:clrScheme>
+    <a:fontScheme name="Office">
+      <a:majorFont>
+        <a:latin typeface="等线 Light" panose="020F0302020204030204"/>
+        <a:ea typeface=""/>
+        <a:cs typeface=""/>
+        <a:font script="Jpan" typeface="游ゴシック Light"/>
+        <a:font script="Hang" typeface="맑은 고딕"/>
+        <a:font script="Hans" typeface="等线 Light"/>
+        <a:font script="Hant" typeface="新細明體"/>
+        <a:font script="Arab" typeface="Times New Roman"/>
+        <a:font script="Hebr" typeface="Times New Roman"/>
+        <a:font script="Thai" typeface="Angsana New"/>
+        <a:font script="Ethi" typeface="Nyala"/>
+        <a:font script="Beng" typeface="Vrinda"/>
+        <a:font script="Gujr" typeface="Shruti"/>
+        <a:font script="Khmr" typeface="MoolBoran"/>
+        <a:font script="Knda" typeface="Tunga"/>
+        <a:font script="Guru" typeface="Raavi"/>
+        <a:font script="Cans" typeface="Euphemia"/>
+        <a:font script="Cher" typeface="Plantagenet Cherokee"/>
+        <a:font script="Yiii" typeface="Microsoft Yi Baiti"/>
+        <a:font script="Tibt" typeface="Microsoft Himalaya"/>
+        <a:font script="Thaa" typeface="MV Boli"/>
+        <a:font script="Deva" typeface="Mangal"/>
+        <a:font script="Telu" typeface="Gautami"/>
+        <a:font script="Taml" typeface="Latha"/>
+        <a:font script="Syrc" typeface="Estrangelo Edessa"/>
+        <a:font script="Orya" typeface="Kalinga"/>
+        <a:font script="Mlym" typeface="Kartika"/>
+        <a:font script="Laoo" typeface="DokChampa"/>
+        <a:font script="Sinh" typeface="Iskoola Pota"/>
+        <a:font script="Mong" typeface="Mongolian Baiti"/>
+        <a:font script="Viet" typeface="Times New Roman"/>
+        <a:font script="Uigh" typeface="Microsoft Uighur"/>
+        <a:font script="Geor" typeface="Sylfaen"/>
+        <a:font script="Armn" typeface="Arial"/>
+        <a:font script="Bugi" typeface="Leelawadee UI"/>
+        <a:font script="Bopo" typeface="Microsoft JhengHei"/>
+        <a:font script="Java" typeface="Javanese Text"/>
+        <a:font script="Lisu" typeface="Segoe UI"/>
+        <a:font script="Mymr" typeface="Myanmar Text"/>
+        <a:font script="Nkoo" typeface="Ebrima"/>
+        <a:font script="Olck" typeface="Nirmala UI"/>
+        <a:font script="Osma" typeface="Ebrima"/>
+        <a:font script="Phag" typeface="Phagspa"/>
+        <a:font script="Syrn" typeface="Estrangelo Edessa"/>
+        <a:font script="Syrj" typeface="Estrangelo Edessa"/>
+        <a:font script="Syre" typeface="Estrangelo Edessa"/>
+        <a:font script="Sora" typeface="Nirmala UI"/>
+        <a:font script="Tale" typeface="Microsoft Tai Le"/>
+        <a:font script="Talu" typeface="Microsoft New Tai Lue"/>
+        <a:font script="Tfng" typeface="Ebrima"/>
+      </a:majorFont>
+      <a:minorFont>
+        <a:latin typeface="等线" panose="020F0502020204030204"/>
+        <a:ea typeface=""/>
+        <a:cs typeface=""/>
+        <a:font script="Jpan" typeface="游ゴシック"/>
+        <a:font script="Hang" typeface="맑은 고딕"/>
+        <a:font script="Hans" typeface="等线"/>
+        <a:font script="Hant" typeface="新細明體"/>
+        <a:font script="Arab" typeface="Arial"/>
+        <a:font script="Hebr" typeface="Arial"/>
+        <a:font script="Thai" typeface="Cordia New"/>
+        <a:font script="Ethi" typeface="Nyala"/>
+        <a:font script="Beng" typeface="Vrinda"/>
+        <a:font script="Gujr" typeface="Shruti"/>
+        <a:font script="Khmr" typeface="DaunPenh"/>
+        <a:font script="Knda" typeface="Tunga"/>
+        <a:font script="Guru" typeface="Raavi"/>
+        <a:font script="Cans" typeface="Euphemia"/>
+        <a:font script="Cher" typeface="Plantagenet Cherokee"/>
+        <a:font script="Yiii" typeface="Microsoft Yi Baiti"/>
+        <a:font script="Tibt" typeface="Microsoft Himalaya"/>
+        <a:font script="Thaa" typeface="MV Boli"/>
+        <a:font script="Deva" typeface="Mangal"/>
+        <a:font script="Telu" typeface="Gautami"/>
+        <a:font script="Taml" typeface="Latha"/>
+        <a:font script="Syrc" typeface="Estrangelo Edessa"/>
+        <a:font script="Orya" typeface="Kalinga"/>
+        <a:font script="Mlym" typeface="Kartika"/>
+        <a:font script="Laoo" typeface="DokChampa"/>
+        <a:font script="Sinh" typeface="Iskoola Pota"/>
+        <a:font script="Mong" typeface="Mongolian Baiti"/>
+        <a:font script="Viet" typeface="Arial"/>
+        <a:font script="Uigh" typeface="Microsoft Uighur"/>
+        <a:font script="Geor" typeface="Sylfaen"/>
+        <a:font script="Armn" typeface="Arial"/>
+        <a:font script="Bugi" typeface="Leelawadee UI"/>
+        <a:font script="Bopo" typeface="Microsoft JhengHei"/>
+        <a:font script="Java" typeface="Javanese Text"/>
+        <a:font script="Lisu" typeface="Segoe UI"/>
+        <a:font script="Mymr" typeface="Myanmar Text"/>
+        <a:font script="Nkoo" typeface="Ebrima"/>
+        <a:font script="Olck" typeface="Nirmala UI"/>
+        <a:font script="Osma" typeface="Ebrima"/>
+        <a:font script="Phag" typeface="Phagspa"/>
+        <a:font script="Syrn" typeface="Estrangelo Edessa"/>
+        <a:font script="Syrj" typeface="Estrangelo Edessa"/>
+        <a:font script="Syre" typeface="Estrangelo Edessa"/>
+        <a:font script="Sora" typeface="Nirmala UI"/>
+        <a:font script="Tale" typeface="Microsoft Tai Le"/>
+        <a:font script="Talu" typeface="Microsoft New Tai Lue"/>
+        <a:font script="Tfng" typeface="Ebrima"/>
+      </a:minorFont>
+    </a:fontScheme>
+    <a:fmtScheme name="Office">
+      <a:fillStyleLst>
+        <a:solidFill>
+          <a:schemeClr val="phClr"/>
+        </a:solidFill>
+        <a:gradFill rotWithShape="1">
+          <a:gsLst>
+            <a:gs pos="0">
+              <a:schemeClr val="phClr">
+                <a:lumMod val="110000"/>
+                <a:satMod val="105000"/>
+                <a:tint val="67000"/>
+              </a:schemeClr>
+            </a:gs>
+            <a:gs pos="50000">
+              <a:schemeClr val="phClr">
+                <a:lumMod val="105000"/>
+                <a:satMod val="103000"/>
+                <a:tint val="73000"/>
+              </a:schemeClr>
+            </a:gs>
+            <a:gs pos="100000">
+              <a:schemeClr val="phClr">
+                <a:lumMod val="105000"/>
+                <a:satMod val="109000"/>
+                <a:tint val="81000"/>
+              </a:schemeClr>
+            </a:gs>
+          </a:gsLst>
+          <a:lin ang="5400000" scaled="0"/>
+        </a:gradFill>
+        <a:gradFill rotWithShape="1">
+          <a:gsLst>
+            <a:gs pos="0">
+              <a:schemeClr val="phClr">
+                <a:satMod val="103000"/>
+                <a:lumMod val="102000"/>
+                <a:tint val="94000"/>
+              </a:schemeClr>
+            </a:gs>
+            <a:gs pos="50000">
+              <a:schemeClr val="phClr">
+                <a:satMod val="110000"/>
+                <a:lumMod val="100000"/>
+                <a:shade val="100000"/>
+              </a:schemeClr>
+            </a:gs>
+            <a:gs pos="100000">
+              <a:schemeClr val="phClr">
+                <a:lumMod val="99000"/>
+                <a:satMod val="120000"/>
+                <a:shade val="78000"/>
+              </a:schemeClr>
+            </a:gs>
+          </a:gsLst>
+          <a:lin ang="5400000" scaled="0"/>
+        </a:gradFill>
+      </a:fillStyleLst>
+      <a:lnStyleLst>
+        <a:ln w="6350" cap="flat" cmpd="sng" algn="ctr">
+          <a:solidFill>
+            <a:schemeClr val="phClr"/>
+          </a:solidFill>
+          <a:prstDash val="solid"/>
+          <a:miter lim="800000"/>
+        </a:ln>
+        <a:ln w="12700" cap="flat" cmpd="sng" algn="ctr">
+          <a:solidFill>
+            <a:schemeClr val="phClr"/>
+          </a:solidFill>
+          <a:prstDash val="solid"/>
+          <a:miter lim="800000"/>
+        </a:ln>
+        <a:ln w="19050" cap="flat" cmpd="sng" algn="ctr">
+          <a:solidFill>
+            <a:schemeClr val="phClr"/>
+          </a:solidFill>
+          <a:prstDash val="solid"/>
+          <a:miter lim="800000"/>
+        </a:ln>
+      </a:lnStyleLst>
+      <a:effectStyleLst>
+        <a:effectStyle>
+          <a:effectLst/>
+        </a:effectStyle>
+        <a:effectStyle>
+          <a:effectLst/>
+        </a:effectStyle>
+        <a:effectStyle>
+          <a:effectLst>
+            <a:outerShdw blurRad="57150" dist="19050" dir="5400000" algn="ctr" rotWithShape="0">
+              <a:srgbClr val="000000">
+                <a:alpha val="63000"/>
+              </a:srgbClr>
+            </a:outerShdw>
+          </a:effectLst>
+        </a:effectStyle>
+      </a:effectStyleLst>
+      <a:bgFillStyleLst>
+        <a:solidFill>
+          <a:schemeClr val="phClr"/>
+        </a:solidFill>
+        <a:solidFill>
+          <a:schemeClr val="phClr">
+            <a:tint val="95000"/>
+            <a:satMod val="170000"/>
+          </a:schemeClr>
+        </a:solidFill>
+        <a:gradFill rotWithShape="1">
+          <a:gsLst>
+            <a:gs pos="0">
+              <a:schemeClr val="phClr">
+                <a:tint val="93000"/>
+                <a:satMod val="150000"/>
+                <a:shade val="98000"/>
+                <a:lumMod val="102000"/>
+              </a:schemeClr>
+            </a:gs>
+            <a:gs pos="50000">
+              <a:schemeClr val="phClr">
+                <a:tint val="98000"/>
+                <a:satMod val="130000"/>
+                <a:shade val="90000"/>
+                <a:lumMod val="103000"/>
+              </a:schemeClr>
+            </a:gs>
+            <a:gs pos="100000">
+              <a:schemeClr val="phClr">
+                <a:shade val="63000"/>
+                <a:satMod val="120000"/>
+              </a:schemeClr>
+            </a:gs>
+          </a:gsLst>
+          <a:lin ang="5400000" scaled="0"/>
+        </a:gradFill>
+      </a:bgFillStyleLst>
+    </a:fmtScheme>
+  </a:themeElements>
+  <a:objectDefaults/>
+  <a:extraClrSchemeLst/>
+  <a:extLst>
+    <a:ext uri="{05A4C25C-085E-4340-85A3-A5531E510DB2}">
+      <thm15:themeFamily xmlns:thm15="http://schemas.microsoft.com/office/thememl/2012/main" name="Office Theme" id="{62F939B6-93AF-4DB8-9C6B-D6C7DFDC589F}" vid="{4A3C46E8-61CC-4603-A589-7422A47A8E4A}"/>
+    </a:ext>
+  </a:extLst>
+</a:theme>
 </file>
--- a/PPT-2020/ch07 词法分析.pptx
+++ b/PPT-2020/ch07 词法分析.pptx
@@ -204,7 +204,7 @@
           <a:p>
             <a:fld id="{DF3EB5C7-85CB-4F28-AE04-06A843069689}" type="datetimeFigureOut">
               <a:rPr lang="zh-CN" altLang="en-US" smtClean="0"/>
-              <a:t>2020/6/30</a:t>
+              <a:t>2020/7/1</a:t>
             </a:fld>
             <a:endParaRPr lang="zh-CN" altLang="en-US"/>
           </a:p>
@@ -829,7 +829,7 @@
           <a:p>
             <a:fld id="{B161E7BD-2304-4CFF-AC2E-DAADCB15FF3C}" type="datetimeFigureOut">
               <a:rPr lang="zh-CN" altLang="en-US" smtClean="0"/>
-              <a:t>2020/6/30</a:t>
+              <a:t>2020/7/1</a:t>
             </a:fld>
             <a:endParaRPr lang="zh-CN" altLang="en-US"/>
           </a:p>
@@ -1243,7 +1243,7 @@
           <a:p>
             <a:fld id="{B161E7BD-2304-4CFF-AC2E-DAADCB15FF3C}" type="datetimeFigureOut">
               <a:rPr lang="zh-CN" altLang="en-US" smtClean="0"/>
-              <a:t>2020/6/30</a:t>
+              <a:t>2020/7/1</a:t>
             </a:fld>
             <a:endParaRPr lang="zh-CN" altLang="en-US"/>
           </a:p>
@@ -1579,7 +1579,7 @@
           <a:p>
             <a:fld id="{B161E7BD-2304-4CFF-AC2E-DAADCB15FF3C}" type="datetimeFigureOut">
               <a:rPr lang="zh-CN" altLang="en-US" smtClean="0"/>
-              <a:t>2020/6/30</a:t>
+              <a:t>2020/7/1</a:t>
             </a:fld>
             <a:endParaRPr lang="zh-CN" altLang="en-US"/>
           </a:p>
@@ -1984,7 +1984,7 @@
           <a:p>
             <a:fld id="{B161E7BD-2304-4CFF-AC2E-DAADCB15FF3C}" type="datetimeFigureOut">
               <a:rPr lang="zh-CN" altLang="en-US" smtClean="0"/>
-              <a:t>2020/6/30</a:t>
+              <a:t>2020/7/1</a:t>
             </a:fld>
             <a:endParaRPr lang="zh-CN" altLang="en-US"/>
           </a:p>
@@ -2552,7 +2552,7 @@
           <a:p>
             <a:fld id="{B161E7BD-2304-4CFF-AC2E-DAADCB15FF3C}" type="datetimeFigureOut">
               <a:rPr lang="zh-CN" altLang="en-US" smtClean="0"/>
-              <a:t>2020/6/30</a:t>
+              <a:t>2020/7/1</a:t>
             </a:fld>
             <a:endParaRPr lang="zh-CN" altLang="en-US"/>
           </a:p>
@@ -3233,7 +3233,7 @@
           <a:p>
             <a:fld id="{B161E7BD-2304-4CFF-AC2E-DAADCB15FF3C}" type="datetimeFigureOut">
               <a:rPr lang="zh-CN" altLang="en-US" smtClean="0"/>
-              <a:t>2020/6/30</a:t>
+              <a:t>2020/7/1</a:t>
             </a:fld>
             <a:endParaRPr lang="zh-CN" altLang="en-US"/>
           </a:p>
@@ -4146,7 +4146,7 @@
           <a:p>
             <a:fld id="{B161E7BD-2304-4CFF-AC2E-DAADCB15FF3C}" type="datetimeFigureOut">
               <a:rPr lang="zh-CN" altLang="en-US" smtClean="0"/>
-              <a:t>2020/6/30</a:t>
+              <a:t>2020/7/1</a:t>
             </a:fld>
             <a:endParaRPr lang="zh-CN" altLang="en-US"/>
           </a:p>
@@ -4459,7 +4459,7 @@
           <a:p>
             <a:fld id="{B161E7BD-2304-4CFF-AC2E-DAADCB15FF3C}" type="datetimeFigureOut">
               <a:rPr lang="zh-CN" altLang="en-US" smtClean="0"/>
-              <a:t>2020/6/30</a:t>
+              <a:t>2020/7/1</a:t>
             </a:fld>
             <a:endParaRPr lang="zh-CN" altLang="en-US"/>
           </a:p>
@@ -4723,7 +4723,7 @@
           <a:p>
             <a:fld id="{B161E7BD-2304-4CFF-AC2E-DAADCB15FF3C}" type="datetimeFigureOut">
               <a:rPr lang="zh-CN" altLang="en-US" smtClean="0"/>
-              <a:t>2020/6/30</a:t>
+              <a:t>2020/7/1</a:t>
             </a:fld>
             <a:endParaRPr lang="zh-CN" altLang="en-US"/>
           </a:p>
@@ -5046,7 +5046,7 @@
           <a:p>
             <a:fld id="{B161E7BD-2304-4CFF-AC2E-DAADCB15FF3C}" type="datetimeFigureOut">
               <a:rPr lang="zh-CN" altLang="en-US" smtClean="0"/>
-              <a:t>2020/6/30</a:t>
+              <a:t>2020/7/1</a:t>
             </a:fld>
             <a:endParaRPr lang="zh-CN" altLang="en-US"/>
           </a:p>
@@ -5435,7 +5435,7 @@
           <a:p>
             <a:fld id="{B161E7BD-2304-4CFF-AC2E-DAADCB15FF3C}" type="datetimeFigureOut">
               <a:rPr lang="zh-CN" altLang="en-US" smtClean="0"/>
-              <a:t>2020/6/30</a:t>
+              <a:t>2020/7/1</a:t>
             </a:fld>
             <a:endParaRPr lang="zh-CN" altLang="en-US"/>
           </a:p>
@@ -5811,7 +5811,7 @@
           <a:p>
             <a:fld id="{B161E7BD-2304-4CFF-AC2E-DAADCB15FF3C}" type="datetimeFigureOut">
               <a:rPr lang="zh-CN" altLang="en-US" smtClean="0"/>
-              <a:t>2020/6/30</a:t>
+              <a:t>2020/7/1</a:t>
             </a:fld>
             <a:endParaRPr lang="zh-CN" altLang="en-US"/>
           </a:p>
@@ -6317,7 +6317,7 @@
           <a:p>
             <a:fld id="{B161E7BD-2304-4CFF-AC2E-DAADCB15FF3C}" type="datetimeFigureOut">
               <a:rPr lang="zh-CN" altLang="en-US" smtClean="0"/>
-              <a:t>2020/6/30</a:t>
+              <a:t>2020/7/1</a:t>
             </a:fld>
             <a:endParaRPr lang="zh-CN" altLang="en-US"/>
           </a:p>
@@ -6574,7 +6574,7 @@
           <a:p>
             <a:fld id="{B161E7BD-2304-4CFF-AC2E-DAADCB15FF3C}" type="datetimeFigureOut">
               <a:rPr lang="zh-CN" altLang="en-US" smtClean="0"/>
-              <a:t>2020/6/30</a:t>
+              <a:t>2020/7/1</a:t>
             </a:fld>
             <a:endParaRPr lang="zh-CN" altLang="en-US"/>
           </a:p>
@@ -6737,7 +6737,7 @@
           <a:p>
             <a:fld id="{B161E7BD-2304-4CFF-AC2E-DAADCB15FF3C}" type="datetimeFigureOut">
               <a:rPr lang="zh-CN" altLang="en-US" smtClean="0"/>
-              <a:t>2020/6/30</a:t>
+              <a:t>2020/7/1</a:t>
             </a:fld>
             <a:endParaRPr lang="zh-CN" altLang="en-US"/>
           </a:p>
@@ -7127,7 +7127,7 @@
           <a:p>
             <a:fld id="{B161E7BD-2304-4CFF-AC2E-DAADCB15FF3C}" type="datetimeFigureOut">
               <a:rPr lang="zh-CN" altLang="en-US" smtClean="0"/>
-              <a:t>2020/6/30</a:t>
+              <a:t>2020/7/1</a:t>
             </a:fld>
             <a:endParaRPr lang="zh-CN" altLang="en-US"/>
           </a:p>
@@ -7536,7 +7536,7 @@
           <a:p>
             <a:fld id="{B161E7BD-2304-4CFF-AC2E-DAADCB15FF3C}" type="datetimeFigureOut">
               <a:rPr lang="zh-CN" altLang="en-US" smtClean="0"/>
-              <a:t>2020/6/30</a:t>
+              <a:t>2020/7/1</a:t>
             </a:fld>
             <a:endParaRPr lang="zh-CN" altLang="en-US"/>
           </a:p>
@@ -7780,7 +7780,7 @@
           <a:p>
             <a:fld id="{B161E7BD-2304-4CFF-AC2E-DAADCB15FF3C}" type="datetimeFigureOut">
               <a:rPr lang="zh-CN" altLang="en-US" smtClean="0"/>
-              <a:t>2020/6/30</a:t>
+              <a:t>2020/7/1</a:t>
             </a:fld>
             <a:endParaRPr lang="zh-CN" altLang="en-US"/>
           </a:p>
@@ -8984,6 +8984,22 @@
             <a:noAutofit/>
           </a:bodyPr>
           <a:lstStyle/>
+          <a:p>
+            <a:pPr marL="0" indent="0">
+              <a:buNone/>
+            </a:pPr>
+            <a:r>
+              <a:rPr lang="zh-CN" altLang="en-US" dirty="0"/>
+              <a:t>命名实体识别：人名、机构名、地址。</a:t>
+            </a:r>
+            <a:endParaRPr lang="en-US" altLang="zh-CN"/>
+          </a:p>
+          <a:p>
+            <a:pPr marL="0" indent="0">
+              <a:buNone/>
+            </a:pPr>
+            <a:endParaRPr lang="en-US" altLang="zh-CN" dirty="0"/>
+          </a:p>
           <a:p>
             <a:pPr marL="0" indent="0">
               <a:buNone/>

--- a/PPT-2020/ch07 词法分析.pptx
+++ b/PPT-2020/ch07 词法分析.pptx
@@ -233,7 +233,7 @@
           <a:p>
             <a:fld id="{DF3EB5C7-85CB-4F28-AE04-06A843069689}" type="datetimeFigureOut">
               <a:rPr lang="zh-CN" altLang="en-US" smtClean="0"/>
-              <a:t>2020/8/21</a:t>
+              <a:t>2020/8/25</a:t>
             </a:fld>
             <a:endParaRPr lang="zh-CN" altLang="en-US"/>
           </a:p>
@@ -858,7 +858,7 @@
           <a:p>
             <a:fld id="{B161E7BD-2304-4CFF-AC2E-DAADCB15FF3C}" type="datetimeFigureOut">
               <a:rPr lang="zh-CN" altLang="en-US" smtClean="0"/>
-              <a:t>2020/8/21</a:t>
+              <a:t>2020/8/25</a:t>
             </a:fld>
             <a:endParaRPr lang="zh-CN" altLang="en-US"/>
           </a:p>
@@ -1272,7 +1272,7 @@
           <a:p>
             <a:fld id="{B161E7BD-2304-4CFF-AC2E-DAADCB15FF3C}" type="datetimeFigureOut">
               <a:rPr lang="zh-CN" altLang="en-US" smtClean="0"/>
-              <a:t>2020/8/21</a:t>
+              <a:t>2020/8/25</a:t>
             </a:fld>
             <a:endParaRPr lang="zh-CN" altLang="en-US"/>
           </a:p>
@@ -1608,7 +1608,7 @@
           <a:p>
             <a:fld id="{B161E7BD-2304-4CFF-AC2E-DAADCB15FF3C}" type="datetimeFigureOut">
               <a:rPr lang="zh-CN" altLang="en-US" smtClean="0"/>
-              <a:t>2020/8/21</a:t>
+              <a:t>2020/8/25</a:t>
             </a:fld>
             <a:endParaRPr lang="zh-CN" altLang="en-US"/>
           </a:p>
@@ -2013,7 +2013,7 @@
           <a:p>
             <a:fld id="{B161E7BD-2304-4CFF-AC2E-DAADCB15FF3C}" type="datetimeFigureOut">
               <a:rPr lang="zh-CN" altLang="en-US" smtClean="0"/>
-              <a:t>2020/8/21</a:t>
+              <a:t>2020/8/25</a:t>
             </a:fld>
             <a:endParaRPr lang="zh-CN" altLang="en-US"/>
           </a:p>
@@ -2581,7 +2581,7 @@
           <a:p>
             <a:fld id="{B161E7BD-2304-4CFF-AC2E-DAADCB15FF3C}" type="datetimeFigureOut">
               <a:rPr lang="zh-CN" altLang="en-US" smtClean="0"/>
-              <a:t>2020/8/21</a:t>
+              <a:t>2020/8/25</a:t>
             </a:fld>
             <a:endParaRPr lang="zh-CN" altLang="en-US"/>
           </a:p>
@@ -3262,7 +3262,7 @@
           <a:p>
             <a:fld id="{B161E7BD-2304-4CFF-AC2E-DAADCB15FF3C}" type="datetimeFigureOut">
               <a:rPr lang="zh-CN" altLang="en-US" smtClean="0"/>
-              <a:t>2020/8/21</a:t>
+              <a:t>2020/8/25</a:t>
             </a:fld>
             <a:endParaRPr lang="zh-CN" altLang="en-US"/>
           </a:p>
@@ -4175,7 +4175,7 @@
           <a:p>
             <a:fld id="{B161E7BD-2304-4CFF-AC2E-DAADCB15FF3C}" type="datetimeFigureOut">
               <a:rPr lang="zh-CN" altLang="en-US" smtClean="0"/>
-              <a:t>2020/8/21</a:t>
+              <a:t>2020/8/25</a:t>
             </a:fld>
             <a:endParaRPr lang="zh-CN" altLang="en-US"/>
           </a:p>
@@ -4488,7 +4488,7 @@
           <a:p>
             <a:fld id="{B161E7BD-2304-4CFF-AC2E-DAADCB15FF3C}" type="datetimeFigureOut">
               <a:rPr lang="zh-CN" altLang="en-US" smtClean="0"/>
-              <a:t>2020/8/21</a:t>
+              <a:t>2020/8/25</a:t>
             </a:fld>
             <a:endParaRPr lang="zh-CN" altLang="en-US"/>
           </a:p>
@@ -4752,7 +4752,7 @@
           <a:p>
             <a:fld id="{B161E7BD-2304-4CFF-AC2E-DAADCB15FF3C}" type="datetimeFigureOut">
               <a:rPr lang="zh-CN" altLang="en-US" smtClean="0"/>
-              <a:t>2020/8/21</a:t>
+              <a:t>2020/8/25</a:t>
             </a:fld>
             <a:endParaRPr lang="zh-CN" altLang="en-US"/>
           </a:p>
@@ -5075,7 +5075,7 @@
           <a:p>
             <a:fld id="{B161E7BD-2304-4CFF-AC2E-DAADCB15FF3C}" type="datetimeFigureOut">
               <a:rPr lang="zh-CN" altLang="en-US" smtClean="0"/>
-              <a:t>2020/8/21</a:t>
+              <a:t>2020/8/25</a:t>
             </a:fld>
             <a:endParaRPr lang="zh-CN" altLang="en-US"/>
           </a:p>
@@ -5464,7 +5464,7 @@
           <a:p>
             <a:fld id="{B161E7BD-2304-4CFF-AC2E-DAADCB15FF3C}" type="datetimeFigureOut">
               <a:rPr lang="zh-CN" altLang="en-US" smtClean="0"/>
-              <a:t>2020/8/21</a:t>
+              <a:t>2020/8/25</a:t>
             </a:fld>
             <a:endParaRPr lang="zh-CN" altLang="en-US"/>
           </a:p>
@@ -5840,7 +5840,7 @@
           <a:p>
             <a:fld id="{B161E7BD-2304-4CFF-AC2E-DAADCB15FF3C}" type="datetimeFigureOut">
               <a:rPr lang="zh-CN" altLang="en-US" smtClean="0"/>
-              <a:t>2020/8/21</a:t>
+              <a:t>2020/8/25</a:t>
             </a:fld>
             <a:endParaRPr lang="zh-CN" altLang="en-US"/>
           </a:p>
@@ -6346,7 +6346,7 @@
           <a:p>
             <a:fld id="{B161E7BD-2304-4CFF-AC2E-DAADCB15FF3C}" type="datetimeFigureOut">
               <a:rPr lang="zh-CN" altLang="en-US" smtClean="0"/>
-              <a:t>2020/8/21</a:t>
+              <a:t>2020/8/25</a:t>
             </a:fld>
             <a:endParaRPr lang="zh-CN" altLang="en-US"/>
           </a:p>
@@ -6603,7 +6603,7 @@
           <a:p>
             <a:fld id="{B161E7BD-2304-4CFF-AC2E-DAADCB15FF3C}" type="datetimeFigureOut">
               <a:rPr lang="zh-CN" altLang="en-US" smtClean="0"/>
-              <a:t>2020/8/21</a:t>
+              <a:t>2020/8/25</a:t>
             </a:fld>
             <a:endParaRPr lang="zh-CN" altLang="en-US"/>
           </a:p>
@@ -6766,7 +6766,7 @@
           <a:p>
             <a:fld id="{B161E7BD-2304-4CFF-AC2E-DAADCB15FF3C}" type="datetimeFigureOut">
               <a:rPr lang="zh-CN" altLang="en-US" smtClean="0"/>
-              <a:t>2020/8/21</a:t>
+              <a:t>2020/8/25</a:t>
             </a:fld>
             <a:endParaRPr lang="zh-CN" altLang="en-US"/>
           </a:p>
@@ -7156,7 +7156,7 @@
           <a:p>
             <a:fld id="{B161E7BD-2304-4CFF-AC2E-DAADCB15FF3C}" type="datetimeFigureOut">
               <a:rPr lang="zh-CN" altLang="en-US" smtClean="0"/>
-              <a:t>2020/8/21</a:t>
+              <a:t>2020/8/25</a:t>
             </a:fld>
             <a:endParaRPr lang="zh-CN" altLang="en-US"/>
           </a:p>
@@ -7565,7 +7565,7 @@
           <a:p>
             <a:fld id="{B161E7BD-2304-4CFF-AC2E-DAADCB15FF3C}" type="datetimeFigureOut">
               <a:rPr lang="zh-CN" altLang="en-US" smtClean="0"/>
-              <a:t>2020/8/21</a:t>
+              <a:t>2020/8/25</a:t>
             </a:fld>
             <a:endParaRPr lang="zh-CN" altLang="en-US"/>
           </a:p>
@@ -7809,7 +7809,7 @@
           <a:p>
             <a:fld id="{B161E7BD-2304-4CFF-AC2E-DAADCB15FF3C}" type="datetimeFigureOut">
               <a:rPr lang="zh-CN" altLang="en-US" smtClean="0"/>
-              <a:t>2020/8/21</a:t>
+              <a:t>2020/8/25</a:t>
             </a:fld>
             <a:endParaRPr lang="zh-CN" altLang="en-US"/>
           </a:p>
@@ -15742,8 +15742,8 @@
         </p:nvSpPr>
         <p:spPr>
           <a:xfrm>
-            <a:off x="680321" y="2336873"/>
-            <a:ext cx="9613861" cy="4115808"/>
+            <a:off x="680320" y="1988964"/>
+            <a:ext cx="9613861" cy="1512993"/>
           </a:xfrm>
         </p:spPr>
         <p:txBody>
@@ -15791,6 +15791,66 @@
           </a:p>
         </p:txBody>
       </p:sp>
+      <p:pic>
+        <p:nvPicPr>
+          <p:cNvPr id="7" name="图片 6">
+            <a:extLst>
+              <a:ext uri="{FF2B5EF4-FFF2-40B4-BE49-F238E27FC236}">
+                <a16:creationId xmlns:a16="http://schemas.microsoft.com/office/drawing/2014/main" id="{70CCE689-F3FF-4BBD-AA7F-DBACD998A897}"/>
+              </a:ext>
+            </a:extLst>
+          </p:cNvPr>
+          <p:cNvPicPr>
+            <a:picLocks noChangeAspect="1"/>
+          </p:cNvPicPr>
+          <p:nvPr/>
+        </p:nvPicPr>
+        <p:blipFill>
+          <a:blip r:embed="rId2"/>
+          <a:stretch>
+            <a:fillRect/>
+          </a:stretch>
+        </p:blipFill>
+        <p:spPr>
+          <a:xfrm>
+            <a:off x="785749" y="3898483"/>
+            <a:ext cx="5247596" cy="2417075"/>
+          </a:xfrm>
+          <a:prstGeom prst="rect">
+            <a:avLst/>
+          </a:prstGeom>
+        </p:spPr>
+      </p:pic>
+      <p:pic>
+        <p:nvPicPr>
+          <p:cNvPr id="9" name="图片 8">
+            <a:extLst>
+              <a:ext uri="{FF2B5EF4-FFF2-40B4-BE49-F238E27FC236}">
+                <a16:creationId xmlns:a16="http://schemas.microsoft.com/office/drawing/2014/main" id="{DB495BD7-9CEE-44E8-AA7A-3328CDDD049C}"/>
+              </a:ext>
+            </a:extLst>
+          </p:cNvPr>
+          <p:cNvPicPr>
+            <a:picLocks noChangeAspect="1"/>
+          </p:cNvPicPr>
+          <p:nvPr/>
+        </p:nvPicPr>
+        <p:blipFill>
+          <a:blip r:embed="rId3"/>
+          <a:stretch>
+            <a:fillRect/>
+          </a:stretch>
+        </p:blipFill>
+        <p:spPr>
+          <a:xfrm>
+            <a:off x="6442821" y="3240950"/>
+            <a:ext cx="4820911" cy="3074608"/>
+          </a:xfrm>
+          <a:prstGeom prst="rect">
+            <a:avLst/>
+          </a:prstGeom>
+        </p:spPr>
+      </p:pic>
     </p:spTree>
     <p:extLst>
       <p:ext uri="{BB962C8B-B14F-4D97-AF65-F5344CB8AC3E}">

--- a/PPT-2020/ch07 词法分析.pptx
+++ b/PPT-2020/ch07 词法分析.pptx
@@ -233,7 +233,7 @@
           <a:p>
             <a:fld id="{DF3EB5C7-85CB-4F28-AE04-06A843069689}" type="datetimeFigureOut">
               <a:rPr lang="zh-CN" altLang="en-US" smtClean="0"/>
-              <a:t>2020/8/25</a:t>
+              <a:t>2020/9/21</a:t>
             </a:fld>
             <a:endParaRPr lang="zh-CN" altLang="en-US"/>
           </a:p>
@@ -858,7 +858,7 @@
           <a:p>
             <a:fld id="{B161E7BD-2304-4CFF-AC2E-DAADCB15FF3C}" type="datetimeFigureOut">
               <a:rPr lang="zh-CN" altLang="en-US" smtClean="0"/>
-              <a:t>2020/8/25</a:t>
+              <a:t>2020/9/21</a:t>
             </a:fld>
             <a:endParaRPr lang="zh-CN" altLang="en-US"/>
           </a:p>
@@ -1272,7 +1272,7 @@
           <a:p>
             <a:fld id="{B161E7BD-2304-4CFF-AC2E-DAADCB15FF3C}" type="datetimeFigureOut">
               <a:rPr lang="zh-CN" altLang="en-US" smtClean="0"/>
-              <a:t>2020/8/25</a:t>
+              <a:t>2020/9/21</a:t>
             </a:fld>
             <a:endParaRPr lang="zh-CN" altLang="en-US"/>
           </a:p>
@@ -1608,7 +1608,7 @@
           <a:p>
             <a:fld id="{B161E7BD-2304-4CFF-AC2E-DAADCB15FF3C}" type="datetimeFigureOut">
               <a:rPr lang="zh-CN" altLang="en-US" smtClean="0"/>
-              <a:t>2020/8/25</a:t>
+              <a:t>2020/9/21</a:t>
             </a:fld>
             <a:endParaRPr lang="zh-CN" altLang="en-US"/>
           </a:p>
@@ -2013,7 +2013,7 @@
           <a:p>
             <a:fld id="{B161E7BD-2304-4CFF-AC2E-DAADCB15FF3C}" type="datetimeFigureOut">
               <a:rPr lang="zh-CN" altLang="en-US" smtClean="0"/>
-              <a:t>2020/8/25</a:t>
+              <a:t>2020/9/21</a:t>
             </a:fld>
             <a:endParaRPr lang="zh-CN" altLang="en-US"/>
           </a:p>
@@ -2581,7 +2581,7 @@
           <a:p>
             <a:fld id="{B161E7BD-2304-4CFF-AC2E-DAADCB15FF3C}" type="datetimeFigureOut">
               <a:rPr lang="zh-CN" altLang="en-US" smtClean="0"/>
-              <a:t>2020/8/25</a:t>
+              <a:t>2020/9/21</a:t>
             </a:fld>
             <a:endParaRPr lang="zh-CN" altLang="en-US"/>
           </a:p>
@@ -3262,7 +3262,7 @@
           <a:p>
             <a:fld id="{B161E7BD-2304-4CFF-AC2E-DAADCB15FF3C}" type="datetimeFigureOut">
               <a:rPr lang="zh-CN" altLang="en-US" smtClean="0"/>
-              <a:t>2020/8/25</a:t>
+              <a:t>2020/9/21</a:t>
             </a:fld>
             <a:endParaRPr lang="zh-CN" altLang="en-US"/>
           </a:p>
@@ -4175,7 +4175,7 @@
           <a:p>
             <a:fld id="{B161E7BD-2304-4CFF-AC2E-DAADCB15FF3C}" type="datetimeFigureOut">
               <a:rPr lang="zh-CN" altLang="en-US" smtClean="0"/>
-              <a:t>2020/8/25</a:t>
+              <a:t>2020/9/21</a:t>
             </a:fld>
             <a:endParaRPr lang="zh-CN" altLang="en-US"/>
           </a:p>
@@ -4488,7 +4488,7 @@
           <a:p>
             <a:fld id="{B161E7BD-2304-4CFF-AC2E-DAADCB15FF3C}" type="datetimeFigureOut">
               <a:rPr lang="zh-CN" altLang="en-US" smtClean="0"/>
-              <a:t>2020/8/25</a:t>
+              <a:t>2020/9/21</a:t>
             </a:fld>
             <a:endParaRPr lang="zh-CN" altLang="en-US"/>
           </a:p>
@@ -4752,7 +4752,7 @@
           <a:p>
             <a:fld id="{B161E7BD-2304-4CFF-AC2E-DAADCB15FF3C}" type="datetimeFigureOut">
               <a:rPr lang="zh-CN" altLang="en-US" smtClean="0"/>
-              <a:t>2020/8/25</a:t>
+              <a:t>2020/9/21</a:t>
             </a:fld>
             <a:endParaRPr lang="zh-CN" altLang="en-US"/>
           </a:p>
@@ -5075,7 +5075,7 @@
           <a:p>
             <a:fld id="{B161E7BD-2304-4CFF-AC2E-DAADCB15FF3C}" type="datetimeFigureOut">
               <a:rPr lang="zh-CN" altLang="en-US" smtClean="0"/>
-              <a:t>2020/8/25</a:t>
+              <a:t>2020/9/21</a:t>
             </a:fld>
             <a:endParaRPr lang="zh-CN" altLang="en-US"/>
           </a:p>
@@ -5464,7 +5464,7 @@
           <a:p>
             <a:fld id="{B161E7BD-2304-4CFF-AC2E-DAADCB15FF3C}" type="datetimeFigureOut">
               <a:rPr lang="zh-CN" altLang="en-US" smtClean="0"/>
-              <a:t>2020/8/25</a:t>
+              <a:t>2020/9/21</a:t>
             </a:fld>
             <a:endParaRPr lang="zh-CN" altLang="en-US"/>
           </a:p>
@@ -5840,7 +5840,7 @@
           <a:p>
             <a:fld id="{B161E7BD-2304-4CFF-AC2E-DAADCB15FF3C}" type="datetimeFigureOut">
               <a:rPr lang="zh-CN" altLang="en-US" smtClean="0"/>
-              <a:t>2020/8/25</a:t>
+              <a:t>2020/9/21</a:t>
             </a:fld>
             <a:endParaRPr lang="zh-CN" altLang="en-US"/>
           </a:p>
@@ -6346,7 +6346,7 @@
           <a:p>
             <a:fld id="{B161E7BD-2304-4CFF-AC2E-DAADCB15FF3C}" type="datetimeFigureOut">
               <a:rPr lang="zh-CN" altLang="en-US" smtClean="0"/>
-              <a:t>2020/8/25</a:t>
+              <a:t>2020/9/21</a:t>
             </a:fld>
             <a:endParaRPr lang="zh-CN" altLang="en-US"/>
           </a:p>
@@ -6603,7 +6603,7 @@
           <a:p>
             <a:fld id="{B161E7BD-2304-4CFF-AC2E-DAADCB15FF3C}" type="datetimeFigureOut">
               <a:rPr lang="zh-CN" altLang="en-US" smtClean="0"/>
-              <a:t>2020/8/25</a:t>
+              <a:t>2020/9/21</a:t>
             </a:fld>
             <a:endParaRPr lang="zh-CN" altLang="en-US"/>
           </a:p>
@@ -6766,7 +6766,7 @@
           <a:p>
             <a:fld id="{B161E7BD-2304-4CFF-AC2E-DAADCB15FF3C}" type="datetimeFigureOut">
               <a:rPr lang="zh-CN" altLang="en-US" smtClean="0"/>
-              <a:t>2020/8/25</a:t>
+              <a:t>2020/9/21</a:t>
             </a:fld>
             <a:endParaRPr lang="zh-CN" altLang="en-US"/>
           </a:p>
@@ -7156,7 +7156,7 @@
           <a:p>
             <a:fld id="{B161E7BD-2304-4CFF-AC2E-DAADCB15FF3C}" type="datetimeFigureOut">
               <a:rPr lang="zh-CN" altLang="en-US" smtClean="0"/>
-              <a:t>2020/8/25</a:t>
+              <a:t>2020/9/21</a:t>
             </a:fld>
             <a:endParaRPr lang="zh-CN" altLang="en-US"/>
           </a:p>
@@ -7565,7 +7565,7 @@
           <a:p>
             <a:fld id="{B161E7BD-2304-4CFF-AC2E-DAADCB15FF3C}" type="datetimeFigureOut">
               <a:rPr lang="zh-CN" altLang="en-US" smtClean="0"/>
-              <a:t>2020/8/25</a:t>
+              <a:t>2020/9/21</a:t>
             </a:fld>
             <a:endParaRPr lang="zh-CN" altLang="en-US"/>
           </a:p>
@@ -7809,7 +7809,7 @@
           <a:p>
             <a:fld id="{B161E7BD-2304-4CFF-AC2E-DAADCB15FF3C}" type="datetimeFigureOut">
               <a:rPr lang="zh-CN" altLang="en-US" smtClean="0"/>
-              <a:t>2020/8/25</a:t>
+              <a:t>2020/9/21</a:t>
             </a:fld>
             <a:endParaRPr lang="zh-CN" altLang="en-US"/>
           </a:p>
@@ -15009,7 +15009,7 @@
                 </a:highlight>
                 <a:latin typeface="Helvetica" panose="020B0604020202020204" pitchFamily="34" charset="0"/>
               </a:rPr>
-              <a:t>国际中文语言处理竞赛</a:t>
+              <a:t>国际中文分词评测</a:t>
             </a:r>
             <a:endParaRPr lang="en-US" altLang="zh-CN" sz="2800" dirty="0">
               <a:highlight>
@@ -15053,7 +15053,7 @@
                 <a:latin typeface="Microsoft YaHei" panose="020B0503020204020204" pitchFamily="34" charset="-122"/>
                 <a:ea typeface="Microsoft YaHei" panose="020B0503020204020204" pitchFamily="34" charset="-122"/>
               </a:rPr>
-              <a:t>年在日本札幌举行（</a:t>
+              <a:t>年，日本札幌举行（</a:t>
             </a:r>
             <a:r>
               <a:rPr lang="en-US" altLang="zh-CN" sz="1400" dirty="0">
@@ -15095,7 +15095,7 @@
                 <a:latin typeface="Microsoft YaHei" panose="020B0503020204020204" pitchFamily="34" charset="-122"/>
                 <a:ea typeface="Microsoft YaHei" panose="020B0503020204020204" pitchFamily="34" charset="-122"/>
               </a:rPr>
-              <a:t>年在韩国济州岛举行（</a:t>
+              <a:t>年，韩国济州岛举行（</a:t>
             </a:r>
             <a:r>
               <a:rPr lang="en-US" altLang="zh-CN" sz="1400" dirty="0">
@@ -15137,7 +15137,7 @@
                 <a:latin typeface="Microsoft YaHei" panose="020B0503020204020204" pitchFamily="34" charset="-122"/>
                 <a:ea typeface="Microsoft YaHei" panose="020B0503020204020204" pitchFamily="34" charset="-122"/>
               </a:rPr>
-              <a:t>年在澳大利亚悉尼举行（</a:t>
+              <a:t>年，澳大利亚悉尼举行（</a:t>
             </a:r>
             <a:r>
               <a:rPr lang="en-US" altLang="zh-CN" sz="1400" dirty="0">
@@ -15362,7 +15362,7 @@
               <a:t>CIPS-SIGHAN</a:t>
             </a:r>
             <a:r>
-              <a:rPr lang="zh-CN" altLang="en-US" sz="1700" dirty="0">
+              <a:rPr lang="zh-CN" altLang="en-US" sz="1700">
                 <a:latin typeface="Helvetica" panose="020B0604020202020204" pitchFamily="34" charset="0"/>
               </a:rPr>
               <a:t>联合会议 武汉</a:t>

--- a/PPT-2020/ch07 词法分析.pptx
+++ b/PPT-2020/ch07 词法分析.pptx
@@ -233,7 +233,7 @@
           <a:p>
             <a:fld id="{DF3EB5C7-85CB-4F28-AE04-06A843069689}" type="datetimeFigureOut">
               <a:rPr lang="zh-CN" altLang="en-US" smtClean="0"/>
-              <a:t>2020/9/21</a:t>
+              <a:t>2020/9/28</a:t>
             </a:fld>
             <a:endParaRPr lang="zh-CN" altLang="en-US"/>
           </a:p>
@@ -858,7 +858,7 @@
           <a:p>
             <a:fld id="{B161E7BD-2304-4CFF-AC2E-DAADCB15FF3C}" type="datetimeFigureOut">
               <a:rPr lang="zh-CN" altLang="en-US" smtClean="0"/>
-              <a:t>2020/9/21</a:t>
+              <a:t>2020/9/28</a:t>
             </a:fld>
             <a:endParaRPr lang="zh-CN" altLang="en-US"/>
           </a:p>
@@ -1272,7 +1272,7 @@
           <a:p>
             <a:fld id="{B161E7BD-2304-4CFF-AC2E-DAADCB15FF3C}" type="datetimeFigureOut">
               <a:rPr lang="zh-CN" altLang="en-US" smtClean="0"/>
-              <a:t>2020/9/21</a:t>
+              <a:t>2020/9/28</a:t>
             </a:fld>
             <a:endParaRPr lang="zh-CN" altLang="en-US"/>
           </a:p>
@@ -1608,7 +1608,7 @@
           <a:p>
             <a:fld id="{B161E7BD-2304-4CFF-AC2E-DAADCB15FF3C}" type="datetimeFigureOut">
               <a:rPr lang="zh-CN" altLang="en-US" smtClean="0"/>
-              <a:t>2020/9/21</a:t>
+              <a:t>2020/9/28</a:t>
             </a:fld>
             <a:endParaRPr lang="zh-CN" altLang="en-US"/>
           </a:p>
@@ -2013,7 +2013,7 @@
           <a:p>
             <a:fld id="{B161E7BD-2304-4CFF-AC2E-DAADCB15FF3C}" type="datetimeFigureOut">
               <a:rPr lang="zh-CN" altLang="en-US" smtClean="0"/>
-              <a:t>2020/9/21</a:t>
+              <a:t>2020/9/28</a:t>
             </a:fld>
             <a:endParaRPr lang="zh-CN" altLang="en-US"/>
           </a:p>
@@ -2581,7 +2581,7 @@
           <a:p>
             <a:fld id="{B161E7BD-2304-4CFF-AC2E-DAADCB15FF3C}" type="datetimeFigureOut">
               <a:rPr lang="zh-CN" altLang="en-US" smtClean="0"/>
-              <a:t>2020/9/21</a:t>
+              <a:t>2020/9/28</a:t>
             </a:fld>
             <a:endParaRPr lang="zh-CN" altLang="en-US"/>
           </a:p>
@@ -3262,7 +3262,7 @@
           <a:p>
             <a:fld id="{B161E7BD-2304-4CFF-AC2E-DAADCB15FF3C}" type="datetimeFigureOut">
               <a:rPr lang="zh-CN" altLang="en-US" smtClean="0"/>
-              <a:t>2020/9/21</a:t>
+              <a:t>2020/9/28</a:t>
             </a:fld>
             <a:endParaRPr lang="zh-CN" altLang="en-US"/>
           </a:p>
@@ -4175,7 +4175,7 @@
           <a:p>
             <a:fld id="{B161E7BD-2304-4CFF-AC2E-DAADCB15FF3C}" type="datetimeFigureOut">
               <a:rPr lang="zh-CN" altLang="en-US" smtClean="0"/>
-              <a:t>2020/9/21</a:t>
+              <a:t>2020/9/28</a:t>
             </a:fld>
             <a:endParaRPr lang="zh-CN" altLang="en-US"/>
           </a:p>
@@ -4488,7 +4488,7 @@
           <a:p>
             <a:fld id="{B161E7BD-2304-4CFF-AC2E-DAADCB15FF3C}" type="datetimeFigureOut">
               <a:rPr lang="zh-CN" altLang="en-US" smtClean="0"/>
-              <a:t>2020/9/21</a:t>
+              <a:t>2020/9/28</a:t>
             </a:fld>
             <a:endParaRPr lang="zh-CN" altLang="en-US"/>
           </a:p>
@@ -4752,7 +4752,7 @@
           <a:p>
             <a:fld id="{B161E7BD-2304-4CFF-AC2E-DAADCB15FF3C}" type="datetimeFigureOut">
               <a:rPr lang="zh-CN" altLang="en-US" smtClean="0"/>
-              <a:t>2020/9/21</a:t>
+              <a:t>2020/9/28</a:t>
             </a:fld>
             <a:endParaRPr lang="zh-CN" altLang="en-US"/>
           </a:p>
@@ -5075,7 +5075,7 @@
           <a:p>
             <a:fld id="{B161E7BD-2304-4CFF-AC2E-DAADCB15FF3C}" type="datetimeFigureOut">
               <a:rPr lang="zh-CN" altLang="en-US" smtClean="0"/>
-              <a:t>2020/9/21</a:t>
+              <a:t>2020/9/28</a:t>
             </a:fld>
             <a:endParaRPr lang="zh-CN" altLang="en-US"/>
           </a:p>
@@ -5464,7 +5464,7 @@
           <a:p>
             <a:fld id="{B161E7BD-2304-4CFF-AC2E-DAADCB15FF3C}" type="datetimeFigureOut">
               <a:rPr lang="zh-CN" altLang="en-US" smtClean="0"/>
-              <a:t>2020/9/21</a:t>
+              <a:t>2020/9/28</a:t>
             </a:fld>
             <a:endParaRPr lang="zh-CN" altLang="en-US"/>
           </a:p>
@@ -5840,7 +5840,7 @@
           <a:p>
             <a:fld id="{B161E7BD-2304-4CFF-AC2E-DAADCB15FF3C}" type="datetimeFigureOut">
               <a:rPr lang="zh-CN" altLang="en-US" smtClean="0"/>
-              <a:t>2020/9/21</a:t>
+              <a:t>2020/9/28</a:t>
             </a:fld>
             <a:endParaRPr lang="zh-CN" altLang="en-US"/>
           </a:p>
@@ -6346,7 +6346,7 @@
           <a:p>
             <a:fld id="{B161E7BD-2304-4CFF-AC2E-DAADCB15FF3C}" type="datetimeFigureOut">
               <a:rPr lang="zh-CN" altLang="en-US" smtClean="0"/>
-              <a:t>2020/9/21</a:t>
+              <a:t>2020/9/28</a:t>
             </a:fld>
             <a:endParaRPr lang="zh-CN" altLang="en-US"/>
           </a:p>
@@ -6603,7 +6603,7 @@
           <a:p>
             <a:fld id="{B161E7BD-2304-4CFF-AC2E-DAADCB15FF3C}" type="datetimeFigureOut">
               <a:rPr lang="zh-CN" altLang="en-US" smtClean="0"/>
-              <a:t>2020/9/21</a:t>
+              <a:t>2020/9/28</a:t>
             </a:fld>
             <a:endParaRPr lang="zh-CN" altLang="en-US"/>
           </a:p>
@@ -6766,7 +6766,7 @@
           <a:p>
             <a:fld id="{B161E7BD-2304-4CFF-AC2E-DAADCB15FF3C}" type="datetimeFigureOut">
               <a:rPr lang="zh-CN" altLang="en-US" smtClean="0"/>
-              <a:t>2020/9/21</a:t>
+              <a:t>2020/9/28</a:t>
             </a:fld>
             <a:endParaRPr lang="zh-CN" altLang="en-US"/>
           </a:p>
@@ -7156,7 +7156,7 @@
           <a:p>
             <a:fld id="{B161E7BD-2304-4CFF-AC2E-DAADCB15FF3C}" type="datetimeFigureOut">
               <a:rPr lang="zh-CN" altLang="en-US" smtClean="0"/>
-              <a:t>2020/9/21</a:t>
+              <a:t>2020/9/28</a:t>
             </a:fld>
             <a:endParaRPr lang="zh-CN" altLang="en-US"/>
           </a:p>
@@ -7565,7 +7565,7 @@
           <a:p>
             <a:fld id="{B161E7BD-2304-4CFF-AC2E-DAADCB15FF3C}" type="datetimeFigureOut">
               <a:rPr lang="zh-CN" altLang="en-US" smtClean="0"/>
-              <a:t>2020/9/21</a:t>
+              <a:t>2020/9/28</a:t>
             </a:fld>
             <a:endParaRPr lang="zh-CN" altLang="en-US"/>
           </a:p>
@@ -7809,7 +7809,7 @@
           <a:p>
             <a:fld id="{B161E7BD-2304-4CFF-AC2E-DAADCB15FF3C}" type="datetimeFigureOut">
               <a:rPr lang="zh-CN" altLang="en-US" smtClean="0"/>
-              <a:t>2020/9/21</a:t>
+              <a:t>2020/9/28</a:t>
             </a:fld>
             <a:endParaRPr lang="zh-CN" altLang="en-US"/>
           </a:p>
@@ -10841,8 +10841,13 @@
         <p:spPr>
           <a:xfrm>
             <a:off x="680321" y="2094689"/>
-            <a:ext cx="9613861" cy="4630366"/>
-          </a:xfrm>
+            <a:ext cx="9613861" cy="4072647"/>
+          </a:xfrm>
+          <a:solidFill>
+            <a:schemeClr val="accent1">
+              <a:lumMod val="50000"/>
+            </a:schemeClr>
+          </a:solidFill>
         </p:spPr>
         <p:txBody>
           <a:bodyPr>
@@ -15569,8 +15574,13 @@
         <p:spPr>
           <a:xfrm>
             <a:off x="680322" y="2114145"/>
-            <a:ext cx="6920224" cy="4597940"/>
-          </a:xfrm>
+            <a:ext cx="9553176" cy="4597940"/>
+          </a:xfrm>
+          <a:solidFill>
+            <a:schemeClr val="accent1">
+              <a:lumMod val="50000"/>
+            </a:schemeClr>
+          </a:solidFill>
         </p:spPr>
         <p:txBody>
           <a:bodyPr>
@@ -17254,6 +17264,9 @@
           <a:bodyPr/>
           <a:lstStyle/>
           <a:p>
+            <a:pPr marL="0" indent="0">
+              <a:buNone/>
+            </a:pPr>
             <a:r>
               <a:rPr lang="en-US" altLang="zh-CN" dirty="0"/>
               <a:t>《</a:t>
@@ -18417,6 +18430,11 @@
             <a:off x="577174" y="2529193"/>
             <a:ext cx="7036341" cy="3164730"/>
           </a:xfrm>
+          <a:solidFill>
+            <a:schemeClr val="accent1">
+              <a:lumMod val="50000"/>
+            </a:schemeClr>
+          </a:solidFill>
         </p:spPr>
         <p:txBody>
           <a:bodyPr>
@@ -18502,7 +18520,9 @@
             <a:r>
               <a:rPr lang="en-US" altLang="zh-CN" b="1" dirty="0">
                 <a:solidFill>
-                  <a:schemeClr val="bg1"/>
+                  <a:schemeClr val="accent2">
+                    <a:lumMod val="75000"/>
+                  </a:schemeClr>
                 </a:solidFill>
               </a:rPr>
               <a:t>N-Gram</a:t>
@@ -18510,7 +18530,9 @@
             <a:r>
               <a:rPr lang="zh-CN" altLang="en-US" b="1" dirty="0">
                 <a:solidFill>
-                  <a:schemeClr val="bg1"/>
+                  <a:schemeClr val="accent2">
+                    <a:lumMod val="75000"/>
+                  </a:schemeClr>
                 </a:solidFill>
               </a:rPr>
               <a:t>、</a:t>
@@ -18518,7 +18540,9 @@
             <a:r>
               <a:rPr lang="en-US" altLang="zh-CN" b="1" dirty="0">
                 <a:solidFill>
-                  <a:schemeClr val="bg1"/>
+                  <a:schemeClr val="accent2">
+                    <a:lumMod val="75000"/>
+                  </a:schemeClr>
                 </a:solidFill>
               </a:rPr>
               <a:t>HMM</a:t>

--- a/PPT-2020/ch07 词法分析.pptx
+++ b/PPT-2020/ch07 词法分析.pptx
@@ -233,7 +233,7 @@
           <a:p>
             <a:fld id="{DF3EB5C7-85CB-4F28-AE04-06A843069689}" type="datetimeFigureOut">
               <a:rPr lang="zh-CN" altLang="en-US" smtClean="0"/>
-              <a:t>2020/9/28</a:t>
+              <a:t>2020/11/27</a:t>
             </a:fld>
             <a:endParaRPr lang="zh-CN" altLang="en-US"/>
           </a:p>
@@ -858,7 +858,7 @@
           <a:p>
             <a:fld id="{B161E7BD-2304-4CFF-AC2E-DAADCB15FF3C}" type="datetimeFigureOut">
               <a:rPr lang="zh-CN" altLang="en-US" smtClean="0"/>
-              <a:t>2020/9/28</a:t>
+              <a:t>2020/11/27</a:t>
             </a:fld>
             <a:endParaRPr lang="zh-CN" altLang="en-US"/>
           </a:p>
@@ -1272,7 +1272,7 @@
           <a:p>
             <a:fld id="{B161E7BD-2304-4CFF-AC2E-DAADCB15FF3C}" type="datetimeFigureOut">
               <a:rPr lang="zh-CN" altLang="en-US" smtClean="0"/>
-              <a:t>2020/9/28</a:t>
+              <a:t>2020/11/27</a:t>
             </a:fld>
             <a:endParaRPr lang="zh-CN" altLang="en-US"/>
           </a:p>
@@ -1608,7 +1608,7 @@
           <a:p>
             <a:fld id="{B161E7BD-2304-4CFF-AC2E-DAADCB15FF3C}" type="datetimeFigureOut">
               <a:rPr lang="zh-CN" altLang="en-US" smtClean="0"/>
-              <a:t>2020/9/28</a:t>
+              <a:t>2020/11/27</a:t>
             </a:fld>
             <a:endParaRPr lang="zh-CN" altLang="en-US"/>
           </a:p>
@@ -2013,7 +2013,7 @@
           <a:p>
             <a:fld id="{B161E7BD-2304-4CFF-AC2E-DAADCB15FF3C}" type="datetimeFigureOut">
               <a:rPr lang="zh-CN" altLang="en-US" smtClean="0"/>
-              <a:t>2020/9/28</a:t>
+              <a:t>2020/11/27</a:t>
             </a:fld>
             <a:endParaRPr lang="zh-CN" altLang="en-US"/>
           </a:p>
@@ -2581,7 +2581,7 @@
           <a:p>
             <a:fld id="{B161E7BD-2304-4CFF-AC2E-DAADCB15FF3C}" type="datetimeFigureOut">
               <a:rPr lang="zh-CN" altLang="en-US" smtClean="0"/>
-              <a:t>2020/9/28</a:t>
+              <a:t>2020/11/27</a:t>
             </a:fld>
             <a:endParaRPr lang="zh-CN" altLang="en-US"/>
           </a:p>
@@ -3262,7 +3262,7 @@
           <a:p>
             <a:fld id="{B161E7BD-2304-4CFF-AC2E-DAADCB15FF3C}" type="datetimeFigureOut">
               <a:rPr lang="zh-CN" altLang="en-US" smtClean="0"/>
-              <a:t>2020/9/28</a:t>
+              <a:t>2020/11/27</a:t>
             </a:fld>
             <a:endParaRPr lang="zh-CN" altLang="en-US"/>
           </a:p>
@@ -4175,7 +4175,7 @@
           <a:p>
             <a:fld id="{B161E7BD-2304-4CFF-AC2E-DAADCB15FF3C}" type="datetimeFigureOut">
               <a:rPr lang="zh-CN" altLang="en-US" smtClean="0"/>
-              <a:t>2020/9/28</a:t>
+              <a:t>2020/11/27</a:t>
             </a:fld>
             <a:endParaRPr lang="zh-CN" altLang="en-US"/>
           </a:p>
@@ -4488,7 +4488,7 @@
           <a:p>
             <a:fld id="{B161E7BD-2304-4CFF-AC2E-DAADCB15FF3C}" type="datetimeFigureOut">
               <a:rPr lang="zh-CN" altLang="en-US" smtClean="0"/>
-              <a:t>2020/9/28</a:t>
+              <a:t>2020/11/27</a:t>
             </a:fld>
             <a:endParaRPr lang="zh-CN" altLang="en-US"/>
           </a:p>
@@ -4752,7 +4752,7 @@
           <a:p>
             <a:fld id="{B161E7BD-2304-4CFF-AC2E-DAADCB15FF3C}" type="datetimeFigureOut">
               <a:rPr lang="zh-CN" altLang="en-US" smtClean="0"/>
-              <a:t>2020/9/28</a:t>
+              <a:t>2020/11/27</a:t>
             </a:fld>
             <a:endParaRPr lang="zh-CN" altLang="en-US"/>
           </a:p>
@@ -5075,7 +5075,7 @@
           <a:p>
             <a:fld id="{B161E7BD-2304-4CFF-AC2E-DAADCB15FF3C}" type="datetimeFigureOut">
               <a:rPr lang="zh-CN" altLang="en-US" smtClean="0"/>
-              <a:t>2020/9/28</a:t>
+              <a:t>2020/11/27</a:t>
             </a:fld>
             <a:endParaRPr lang="zh-CN" altLang="en-US"/>
           </a:p>
@@ -5464,7 +5464,7 @@
           <a:p>
             <a:fld id="{B161E7BD-2304-4CFF-AC2E-DAADCB15FF3C}" type="datetimeFigureOut">
               <a:rPr lang="zh-CN" altLang="en-US" smtClean="0"/>
-              <a:t>2020/9/28</a:t>
+              <a:t>2020/11/27</a:t>
             </a:fld>
             <a:endParaRPr lang="zh-CN" altLang="en-US"/>
           </a:p>
@@ -5840,7 +5840,7 @@
           <a:p>
             <a:fld id="{B161E7BD-2304-4CFF-AC2E-DAADCB15FF3C}" type="datetimeFigureOut">
               <a:rPr lang="zh-CN" altLang="en-US" smtClean="0"/>
-              <a:t>2020/9/28</a:t>
+              <a:t>2020/11/27</a:t>
             </a:fld>
             <a:endParaRPr lang="zh-CN" altLang="en-US"/>
           </a:p>
@@ -6346,7 +6346,7 @@
           <a:p>
             <a:fld id="{B161E7BD-2304-4CFF-AC2E-DAADCB15FF3C}" type="datetimeFigureOut">
               <a:rPr lang="zh-CN" altLang="en-US" smtClean="0"/>
-              <a:t>2020/9/28</a:t>
+              <a:t>2020/11/27</a:t>
             </a:fld>
             <a:endParaRPr lang="zh-CN" altLang="en-US"/>
           </a:p>
@@ -6603,7 +6603,7 @@
           <a:p>
             <a:fld id="{B161E7BD-2304-4CFF-AC2E-DAADCB15FF3C}" type="datetimeFigureOut">
               <a:rPr lang="zh-CN" altLang="en-US" smtClean="0"/>
-              <a:t>2020/9/28</a:t>
+              <a:t>2020/11/27</a:t>
             </a:fld>
             <a:endParaRPr lang="zh-CN" altLang="en-US"/>
           </a:p>
@@ -6766,7 +6766,7 @@
           <a:p>
             <a:fld id="{B161E7BD-2304-4CFF-AC2E-DAADCB15FF3C}" type="datetimeFigureOut">
               <a:rPr lang="zh-CN" altLang="en-US" smtClean="0"/>
-              <a:t>2020/9/28</a:t>
+              <a:t>2020/11/27</a:t>
             </a:fld>
             <a:endParaRPr lang="zh-CN" altLang="en-US"/>
           </a:p>
@@ -7156,7 +7156,7 @@
           <a:p>
             <a:fld id="{B161E7BD-2304-4CFF-AC2E-DAADCB15FF3C}" type="datetimeFigureOut">
               <a:rPr lang="zh-CN" altLang="en-US" smtClean="0"/>
-              <a:t>2020/9/28</a:t>
+              <a:t>2020/11/27</a:t>
             </a:fld>
             <a:endParaRPr lang="zh-CN" altLang="en-US"/>
           </a:p>
@@ -7565,7 +7565,7 @@
           <a:p>
             <a:fld id="{B161E7BD-2304-4CFF-AC2E-DAADCB15FF3C}" type="datetimeFigureOut">
               <a:rPr lang="zh-CN" altLang="en-US" smtClean="0"/>
-              <a:t>2020/9/28</a:t>
+              <a:t>2020/11/27</a:t>
             </a:fld>
             <a:endParaRPr lang="zh-CN" altLang="en-US"/>
           </a:p>
@@ -7809,7 +7809,7 @@
           <a:p>
             <a:fld id="{B161E7BD-2304-4CFF-AC2E-DAADCB15FF3C}" type="datetimeFigureOut">
               <a:rPr lang="zh-CN" altLang="en-US" smtClean="0"/>
-              <a:t>2020/9/28</a:t>
+              <a:t>2020/11/27</a:t>
             </a:fld>
             <a:endParaRPr lang="zh-CN" altLang="en-US"/>
           </a:p>
@@ -8419,9 +8419,14 @@
         </p:nvSpPr>
         <p:spPr>
           <a:xfrm>
-            <a:off x="355213" y="2509735"/>
-            <a:ext cx="11266097" cy="3706451"/>
-          </a:xfrm>
+            <a:off x="355213" y="2509736"/>
+            <a:ext cx="11266097" cy="2749686"/>
+          </a:xfrm>
+          <a:solidFill>
+            <a:schemeClr val="accent1">
+              <a:lumMod val="50000"/>
+            </a:schemeClr>
+          </a:solidFill>
         </p:spPr>
         <p:txBody>
           <a:bodyPr>
@@ -8681,6 +8686,11 @@
             <a:off x="322788" y="2088205"/>
             <a:ext cx="11266097" cy="4523574"/>
           </a:xfrm>
+          <a:solidFill>
+            <a:schemeClr val="accent1">
+              <a:lumMod val="50000"/>
+            </a:schemeClr>
+          </a:solidFill>
         </p:spPr>
         <p:txBody>
           <a:bodyPr>
@@ -9330,6 +9340,11 @@
             <a:off x="415047" y="2336872"/>
             <a:ext cx="11180323" cy="4180659"/>
           </a:xfrm>
+          <a:solidFill>
+            <a:schemeClr val="accent1">
+              <a:lumMod val="50000"/>
+            </a:schemeClr>
+          </a:solidFill>
         </p:spPr>
         <p:txBody>
           <a:bodyPr>
@@ -9519,6 +9534,11 @@
             <a:off x="136188" y="2029838"/>
             <a:ext cx="11880714" cy="4740613"/>
           </a:xfrm>
+          <a:solidFill>
+            <a:schemeClr val="accent1">
+              <a:lumMod val="50000"/>
+            </a:schemeClr>
+          </a:solidFill>
         </p:spPr>
         <p:txBody>
           <a:bodyPr>
@@ -9785,6 +9805,11 @@
             <a:off x="856034" y="2029838"/>
             <a:ext cx="11160868" cy="4740613"/>
           </a:xfrm>
+          <a:solidFill>
+            <a:schemeClr val="accent1">
+              <a:lumMod val="50000"/>
+            </a:schemeClr>
+          </a:solidFill>
         </p:spPr>
         <p:txBody>
           <a:bodyPr>
@@ -10087,7 +10112,13 @@
             <p:ph idx="1"/>
           </p:nvPr>
         </p:nvSpPr>
-        <p:spPr/>
+        <p:spPr>
+          <a:solidFill>
+            <a:schemeClr val="accent1">
+              <a:lumMod val="50000"/>
+            </a:schemeClr>
+          </a:solidFill>
+        </p:spPr>
         <p:txBody>
           <a:bodyPr/>
           <a:lstStyle/>
@@ -10208,6 +10239,11 @@
             <a:off x="680321" y="2336872"/>
             <a:ext cx="10921534" cy="4122293"/>
           </a:xfrm>
+          <a:solidFill>
+            <a:schemeClr val="accent1">
+              <a:lumMod val="50000"/>
+            </a:schemeClr>
+          </a:solidFill>
         </p:spPr>
         <p:txBody>
           <a:bodyPr>
@@ -10366,6 +10402,11 @@
             <a:off x="914399" y="2194200"/>
             <a:ext cx="10376171" cy="4219570"/>
           </a:xfrm>
+          <a:solidFill>
+            <a:schemeClr val="accent1">
+              <a:lumMod val="50000"/>
+            </a:schemeClr>
+          </a:solidFill>
         </p:spPr>
         <p:txBody>
           <a:bodyPr>
@@ -17417,7 +17458,13 @@
             <p:ph idx="1"/>
           </p:nvPr>
         </p:nvSpPr>
-        <p:spPr/>
+        <p:spPr>
+          <a:solidFill>
+            <a:schemeClr val="accent1">
+              <a:lumMod val="50000"/>
+            </a:schemeClr>
+          </a:solidFill>
+        </p:spPr>
         <p:txBody>
           <a:bodyPr/>
           <a:lstStyle/>
@@ -17646,6 +17693,11 @@
             <a:off x="680322" y="2336872"/>
             <a:ext cx="8502590" cy="4122293"/>
           </a:xfrm>
+          <a:solidFill>
+            <a:schemeClr val="accent1">
+              <a:lumMod val="50000"/>
+            </a:schemeClr>
+          </a:solidFill>
         </p:spPr>
         <p:txBody>
           <a:bodyPr>
@@ -17916,7 +17968,13 @@
             <p:ph idx="1"/>
           </p:nvPr>
         </p:nvSpPr>
-        <p:spPr/>
+        <p:spPr>
+          <a:solidFill>
+            <a:schemeClr val="accent1">
+              <a:lumMod val="50000"/>
+            </a:schemeClr>
+          </a:solidFill>
+        </p:spPr>
         <p:txBody>
           <a:bodyPr/>
           <a:lstStyle/>
@@ -18056,6 +18114,11 @@
             <a:off x="680321" y="2336873"/>
             <a:ext cx="10759407" cy="4025016"/>
           </a:xfrm>
+          <a:solidFill>
+            <a:schemeClr val="accent1">
+              <a:lumMod val="50000"/>
+            </a:schemeClr>
+          </a:solidFill>
         </p:spPr>
         <p:txBody>
           <a:bodyPr/>
